--- a/기획 수업/4주차 일기/지도 정리.pptx
+++ b/기획 수업/4주차 일기/지도 정리.pptx
@@ -7,9 +7,10 @@
   <p:sldIdLst>
     <p:sldId id="257" r:id="rId2"/>
     <p:sldId id="258" r:id="rId3"/>
-    <p:sldId id="259" r:id="rId4"/>
-    <p:sldId id="260" r:id="rId5"/>
-    <p:sldId id="261" r:id="rId6"/>
+    <p:sldId id="262" r:id="rId4"/>
+    <p:sldId id="259" r:id="rId5"/>
+    <p:sldId id="260" r:id="rId6"/>
+    <p:sldId id="261" r:id="rId7"/>
   </p:sldIdLst>
   <p:sldSz cx="9144000" cy="6858000" type="screen4x3"/>
   <p:notesSz cx="6858000" cy="9144000"/>
@@ -4216,14 +4217,14 @@
                 <a:gridCol w="246061">
                   <a:extLst>
                     <a:ext uri="{9D8B030D-6E8A-4147-A177-3AD203B41FA5}">
-                      <a16:colId xmlns="" xmlns:a16="http://schemas.microsoft.com/office/drawing/2014/main" val="20000"/>
+                      <a16:colId xmlns:a16="http://schemas.microsoft.com/office/drawing/2014/main" xmlns="" val="20000"/>
                     </a:ext>
                   </a:extLst>
                 </a:gridCol>
                 <a:gridCol w="1968494">
                   <a:extLst>
                     <a:ext uri="{9D8B030D-6E8A-4147-A177-3AD203B41FA5}">
-                      <a16:colId xmlns="" xmlns:a16="http://schemas.microsoft.com/office/drawing/2014/main" val="20001"/>
+                      <a16:colId xmlns:a16="http://schemas.microsoft.com/office/drawing/2014/main" xmlns="" val="20001"/>
                     </a:ext>
                   </a:extLst>
                 </a:gridCol>
@@ -4378,7 +4379,7 @@
                 </a:tc>
                 <a:extLst>
                   <a:ext uri="{0D108BD9-81ED-4DB2-BD59-A6C34878D82A}">
-                    <a16:rowId xmlns="" xmlns:a16="http://schemas.microsoft.com/office/drawing/2014/main" val="10000"/>
+                    <a16:rowId xmlns:a16="http://schemas.microsoft.com/office/drawing/2014/main" xmlns="" val="10000"/>
                   </a:ext>
                 </a:extLst>
               </a:tr>
@@ -4517,7 +4518,7 @@
                 </a:tc>
                 <a:extLst>
                   <a:ext uri="{0D108BD9-81ED-4DB2-BD59-A6C34878D82A}">
-                    <a16:rowId xmlns="" xmlns:a16="http://schemas.microsoft.com/office/drawing/2014/main" val="10001"/>
+                    <a16:rowId xmlns:a16="http://schemas.microsoft.com/office/drawing/2014/main" xmlns="" val="10001"/>
                   </a:ext>
                 </a:extLst>
               </a:tr>
@@ -4671,7 +4672,7 @@
                 </a:tc>
                 <a:extLst>
                   <a:ext uri="{0D108BD9-81ED-4DB2-BD59-A6C34878D82A}">
-                    <a16:rowId xmlns="" xmlns:a16="http://schemas.microsoft.com/office/drawing/2014/main" val="10002"/>
+                    <a16:rowId xmlns:a16="http://schemas.microsoft.com/office/drawing/2014/main" xmlns="" val="10002"/>
                   </a:ext>
                 </a:extLst>
               </a:tr>
@@ -4824,7 +4825,7 @@
                 </a:tc>
                 <a:extLst>
                   <a:ext uri="{0D108BD9-81ED-4DB2-BD59-A6C34878D82A}">
-                    <a16:rowId xmlns="" xmlns:a16="http://schemas.microsoft.com/office/drawing/2014/main" val="10003"/>
+                    <a16:rowId xmlns:a16="http://schemas.microsoft.com/office/drawing/2014/main" xmlns="" val="10003"/>
                   </a:ext>
                 </a:extLst>
               </a:tr>
@@ -5092,13 +5093,13 @@
   <p:clrMapOvr>
     <a:masterClrMapping/>
   </p:clrMapOvr>
-  <mc:AlternateContent xmlns:mc="http://schemas.openxmlformats.org/markup-compatibility/2006">
-    <mc:Choice xmlns:p14="http://schemas.microsoft.com/office/powerpoint/2010/main" Requires="p14">
+  <mc:AlternateContent xmlns:mc="http://schemas.openxmlformats.org/markup-compatibility/2006" xmlns:p14="http://schemas.microsoft.com/office/powerpoint/2010/main">
+    <mc:Choice Requires="p14">
       <p:transition p14:dur="100">
         <p:cut/>
       </p:transition>
     </mc:Choice>
-    <mc:Fallback>
+    <mc:Fallback xmlns="">
       <p:transition>
         <p:cut/>
       </p:transition>
@@ -5613,14 +5614,14 @@
                 <a:gridCol w="246061">
                   <a:extLst>
                     <a:ext uri="{9D8B030D-6E8A-4147-A177-3AD203B41FA5}">
-                      <a16:colId xmlns="" xmlns:a16="http://schemas.microsoft.com/office/drawing/2014/main" val="20000"/>
+                      <a16:colId xmlns:a16="http://schemas.microsoft.com/office/drawing/2014/main" xmlns="" val="20000"/>
                     </a:ext>
                   </a:extLst>
                 </a:gridCol>
                 <a:gridCol w="1968494">
                   <a:extLst>
                     <a:ext uri="{9D8B030D-6E8A-4147-A177-3AD203B41FA5}">
-                      <a16:colId xmlns="" xmlns:a16="http://schemas.microsoft.com/office/drawing/2014/main" val="20001"/>
+                      <a16:colId xmlns:a16="http://schemas.microsoft.com/office/drawing/2014/main" xmlns="" val="20001"/>
                     </a:ext>
                   </a:extLst>
                 </a:gridCol>
@@ -5788,7 +5789,7 @@
                 </a:tc>
                 <a:extLst>
                   <a:ext uri="{0D108BD9-81ED-4DB2-BD59-A6C34878D82A}">
-                    <a16:rowId xmlns="" xmlns:a16="http://schemas.microsoft.com/office/drawing/2014/main" val="10000"/>
+                    <a16:rowId xmlns:a16="http://schemas.microsoft.com/office/drawing/2014/main" xmlns="" val="10000"/>
                   </a:ext>
                 </a:extLst>
               </a:tr>
@@ -5982,7 +5983,7 @@
                 </a:tc>
                 <a:extLst>
                   <a:ext uri="{0D108BD9-81ED-4DB2-BD59-A6C34878D82A}">
-                    <a16:rowId xmlns="" xmlns:a16="http://schemas.microsoft.com/office/drawing/2014/main" val="10001"/>
+                    <a16:rowId xmlns:a16="http://schemas.microsoft.com/office/drawing/2014/main" xmlns="" val="10001"/>
                   </a:ext>
                 </a:extLst>
               </a:tr>
@@ -6149,7 +6150,7 @@
                 </a:tc>
                 <a:extLst>
                   <a:ext uri="{0D108BD9-81ED-4DB2-BD59-A6C34878D82A}">
-                    <a16:rowId xmlns="" xmlns:a16="http://schemas.microsoft.com/office/drawing/2014/main" val="10002"/>
+                    <a16:rowId xmlns:a16="http://schemas.microsoft.com/office/drawing/2014/main" xmlns="" val="10002"/>
                   </a:ext>
                 </a:extLst>
               </a:tr>
@@ -6328,7 +6329,7 @@
                 </a:tc>
                 <a:extLst>
                   <a:ext uri="{0D108BD9-81ED-4DB2-BD59-A6C34878D82A}">
-                    <a16:rowId xmlns="" xmlns:a16="http://schemas.microsoft.com/office/drawing/2014/main" val="10003"/>
+                    <a16:rowId xmlns:a16="http://schemas.microsoft.com/office/drawing/2014/main" xmlns="" val="10003"/>
                   </a:ext>
                 </a:extLst>
               </a:tr>
@@ -10547,6 +10548,4801 @@
           </a:prstGeom>
         </p:spPr>
         <p:txBody>
+          <a:bodyPr lIns="87274" tIns="43637" rIns="87274" bIns="43637">
+            <a:normAutofit lnSpcReduction="10000"/>
+          </a:bodyPr>
+          <a:lstStyle>
+            <a:lvl1pPr marL="0" indent="0" algn="l">
+              <a:buNone/>
+              <a:defRPr sz="900">
+                <a:solidFill>
+                  <a:schemeClr val="tx1">
+                    <a:lumMod val="50000"/>
+                    <a:lumOff val="50000"/>
+                  </a:schemeClr>
+                </a:solidFill>
+                <a:latin typeface="나눔고딕"/>
+                <a:ea typeface="나눔고딕"/>
+              </a:defRPr>
+            </a:lvl1pPr>
+            <a:lvl2pPr marL="500771" indent="0" algn="ctr">
+              <a:buNone/>
+              <a:defRPr>
+                <a:solidFill>
+                  <a:schemeClr val="tx1">
+                    <a:tint val="75000"/>
+                  </a:schemeClr>
+                </a:solidFill>
+              </a:defRPr>
+            </a:lvl2pPr>
+            <a:lvl3pPr marL="1001542" indent="0" algn="ctr">
+              <a:buNone/>
+              <a:defRPr>
+                <a:solidFill>
+                  <a:schemeClr val="tx1">
+                    <a:tint val="75000"/>
+                  </a:schemeClr>
+                </a:solidFill>
+              </a:defRPr>
+            </a:lvl3pPr>
+            <a:lvl4pPr marL="1502313" indent="0" algn="ctr">
+              <a:buNone/>
+              <a:defRPr>
+                <a:solidFill>
+                  <a:schemeClr val="tx1">
+                    <a:tint val="75000"/>
+                  </a:schemeClr>
+                </a:solidFill>
+              </a:defRPr>
+            </a:lvl4pPr>
+            <a:lvl5pPr marL="2003085" indent="0" algn="ctr">
+              <a:buNone/>
+              <a:defRPr>
+                <a:solidFill>
+                  <a:schemeClr val="tx1">
+                    <a:tint val="75000"/>
+                  </a:schemeClr>
+                </a:solidFill>
+              </a:defRPr>
+            </a:lvl5pPr>
+            <a:lvl6pPr marL="2503856" indent="0" algn="ctr">
+              <a:buNone/>
+              <a:defRPr>
+                <a:solidFill>
+                  <a:schemeClr val="tx1">
+                    <a:tint val="75000"/>
+                  </a:schemeClr>
+                </a:solidFill>
+              </a:defRPr>
+            </a:lvl6pPr>
+            <a:lvl7pPr marL="3004627" indent="0" algn="ctr">
+              <a:buNone/>
+              <a:defRPr>
+                <a:solidFill>
+                  <a:schemeClr val="tx1">
+                    <a:tint val="75000"/>
+                  </a:schemeClr>
+                </a:solidFill>
+              </a:defRPr>
+            </a:lvl7pPr>
+            <a:lvl8pPr marL="3505398" indent="0" algn="ctr">
+              <a:buNone/>
+              <a:defRPr>
+                <a:solidFill>
+                  <a:schemeClr val="tx1">
+                    <a:tint val="75000"/>
+                  </a:schemeClr>
+                </a:solidFill>
+              </a:defRPr>
+            </a:lvl8pPr>
+            <a:lvl9pPr marL="4006169" indent="0" algn="ctr">
+              <a:buNone/>
+              <a:defRPr>
+                <a:solidFill>
+                  <a:schemeClr val="tx1">
+                    <a:tint val="75000"/>
+                  </a:schemeClr>
+                </a:solidFill>
+              </a:defRPr>
+            </a:lvl9pPr>
+          </a:lstStyle>
+          <a:p>
+            <a:pPr defTabSz="872744"/>
+            <a:r>
+              <a:rPr lang="ko-KR" altLang="en-US" dirty="0" smtClean="0">
+                <a:solidFill>
+                  <a:schemeClr val="tx1"/>
+                </a:solidFill>
+              </a:rPr>
+              <a:t>지</a:t>
+            </a:r>
+            <a:r>
+              <a:rPr lang="ko-KR" altLang="en-US" dirty="0">
+                <a:solidFill>
+                  <a:schemeClr val="tx1"/>
+                </a:solidFill>
+              </a:rPr>
+              <a:t>도</a:t>
+            </a:r>
+            <a:endParaRPr sz="800" dirty="0">
+              <a:solidFill>
+                <a:schemeClr val="tx1"/>
+              </a:solidFill>
+            </a:endParaRPr>
+          </a:p>
+        </p:txBody>
+      </p:sp>
+      <p:sp>
+        <p:nvSpPr>
+          <p:cNvPr id="5" name="slide29_shape3"/>
+          <p:cNvSpPr>
+            <a:spLocks noGrp="1"/>
+          </p:cNvSpPr>
+          <p:nvPr>
+            <p:ph type="sldNum" sz="quarter" idx="12"/>
+          </p:nvPr>
+        </p:nvSpPr>
+        <p:spPr>
+          <a:xfrm>
+            <a:off x="7031350" y="6605167"/>
+            <a:ext cx="2000662" cy="255099"/>
+          </a:xfrm>
+          <a:prstGeom prst="rect">
+            <a:avLst/>
+          </a:prstGeom>
+        </p:spPr>
+        <p:txBody>
+          <a:bodyPr lIns="87274" tIns="43637" rIns="87274" bIns="43637" anchor="ctr"/>
+          <a:lstStyle>
+            <a:lvl1pPr algn="r">
+              <a:defRPr b="1">
+                <a:solidFill>
+                  <a:schemeClr val="tx1">
+                    <a:lumMod val="75000"/>
+                    <a:lumOff val="25000"/>
+                  </a:schemeClr>
+                </a:solidFill>
+                <a:effectLst/>
+                <a:latin typeface="맑은 고딕"/>
+                <a:ea typeface="맑은 고딕"/>
+              </a:defRPr>
+            </a:lvl1pPr>
+          </a:lstStyle>
+          <a:p>
+            <a:pPr algn="r" latinLnBrk="1">
+              <a:spcBef>
+                <a:spcPct val="0"/>
+              </a:spcBef>
+              <a:spcAft>
+                <a:spcPct val="0"/>
+              </a:spcAft>
+            </a:pPr>
+            <a:fld id="{4BEDD84E-25D4-4983-8AA1-2863C96F08D9}" type="slidenum">
+              <a:rPr lang="en-US" sz="800">
+                <a:solidFill>
+                  <a:srgbClr val="000000">
+                    <a:lumMod val="75000"/>
+                    <a:lumOff val="25000"/>
+                  </a:srgbClr>
+                </a:solidFill>
+              </a:rPr>
+              <a:t>3</a:t>
+            </a:fld>
+            <a:endParaRPr sz="800">
+              <a:solidFill>
+                <a:srgbClr val="000000">
+                  <a:lumMod val="75000"/>
+                  <a:lumOff val="25000"/>
+                </a:srgbClr>
+              </a:solidFill>
+            </a:endParaRPr>
+          </a:p>
+        </p:txBody>
+      </p:sp>
+      <p:sp>
+        <p:nvSpPr>
+          <p:cNvPr id="6" name="slide29_shape4"/>
+          <p:cNvSpPr>
+            <a:spLocks noGrp="1"/>
+          </p:cNvSpPr>
+          <p:nvPr>
+            <p:ph sz="quarter" idx="13"/>
+          </p:nvPr>
+        </p:nvSpPr>
+        <p:spPr>
+          <a:xfrm>
+            <a:off x="5059673" y="563971"/>
+            <a:ext cx="1645897" cy="195932"/>
+          </a:xfrm>
+          <a:prstGeom prst="rect">
+            <a:avLst/>
+          </a:prstGeom>
+        </p:spPr>
+        <p:txBody>
+          <a:bodyPr lIns="87274" tIns="43637" rIns="87274" bIns="43637">
+            <a:normAutofit fontScale="92500" lnSpcReduction="20000"/>
+          </a:bodyPr>
+          <a:lstStyle>
+            <a:lvl1pPr marL="0" indent="0">
+              <a:buNone/>
+              <a:defRPr sz="900">
+                <a:solidFill>
+                  <a:schemeClr val="tx1">
+                    <a:lumMod val="50000"/>
+                    <a:lumOff val="50000"/>
+                  </a:schemeClr>
+                </a:solidFill>
+                <a:latin typeface="나눔고딕"/>
+                <a:ea typeface="나눔고딕"/>
+              </a:defRPr>
+            </a:lvl1pPr>
+            <a:lvl2pPr>
+              <a:defRPr sz="1000">
+                <a:solidFill>
+                  <a:schemeClr val="tx1">
+                    <a:lumMod val="65000"/>
+                    <a:lumOff val="35000"/>
+                  </a:schemeClr>
+                </a:solidFill>
+                <a:latin typeface="나눔고딕"/>
+                <a:ea typeface="나눔고딕"/>
+              </a:defRPr>
+            </a:lvl2pPr>
+            <a:lvl3pPr>
+              <a:defRPr sz="1000">
+                <a:solidFill>
+                  <a:schemeClr val="tx1">
+                    <a:lumMod val="65000"/>
+                    <a:lumOff val="35000"/>
+                  </a:schemeClr>
+                </a:solidFill>
+                <a:latin typeface="나눔고딕"/>
+                <a:ea typeface="나눔고딕"/>
+              </a:defRPr>
+            </a:lvl3pPr>
+            <a:lvl4pPr>
+              <a:defRPr sz="1000">
+                <a:solidFill>
+                  <a:schemeClr val="tx1">
+                    <a:lumMod val="65000"/>
+                    <a:lumOff val="35000"/>
+                  </a:schemeClr>
+                </a:solidFill>
+                <a:latin typeface="나눔고딕"/>
+                <a:ea typeface="나눔고딕"/>
+              </a:defRPr>
+            </a:lvl4pPr>
+            <a:lvl5pPr>
+              <a:defRPr sz="1000">
+                <a:solidFill>
+                  <a:schemeClr val="tx1">
+                    <a:lumMod val="65000"/>
+                    <a:lumOff val="35000"/>
+                  </a:schemeClr>
+                </a:solidFill>
+                <a:latin typeface="나눔고딕"/>
+                <a:ea typeface="나눔고딕"/>
+              </a:defRPr>
+            </a:lvl5pPr>
+          </a:lstStyle>
+          <a:p>
+            <a:pPr defTabSz="872744">
+              <a:spcAft>
+                <a:spcPct val="0"/>
+              </a:spcAft>
+            </a:pPr>
+            <a:r>
+              <a:rPr lang="en-US" dirty="0" smtClean="0">
+                <a:solidFill>
+                  <a:schemeClr val="tx1"/>
+                </a:solidFill>
+              </a:rPr>
+              <a:t>MAP_01</a:t>
+            </a:r>
+            <a:endParaRPr sz="800" dirty="0">
+              <a:solidFill>
+                <a:schemeClr val="tx1"/>
+              </a:solidFill>
+            </a:endParaRPr>
+          </a:p>
+        </p:txBody>
+      </p:sp>
+      <p:pic>
+        <p:nvPicPr>
+          <p:cNvPr id="2" name="그림 1"/>
+          <p:cNvPicPr>
+            <a:picLocks noChangeAspect="1"/>
+          </p:cNvPicPr>
+          <p:nvPr/>
+        </p:nvPicPr>
+        <p:blipFill>
+          <a:blip r:embed="rId2">
+            <a:extLst>
+              <a:ext uri="{28A0092B-C50C-407E-A947-70E740481C1C}">
+                <a14:useLocalDpi xmlns:a14="http://schemas.microsoft.com/office/drawing/2010/main" val="0"/>
+              </a:ext>
+            </a:extLst>
+          </a:blip>
+          <a:stretch>
+            <a:fillRect/>
+          </a:stretch>
+        </p:blipFill>
+        <p:spPr>
+          <a:xfrm>
+            <a:off x="584487" y="1082767"/>
+            <a:ext cx="2425883" cy="5468667"/>
+          </a:xfrm>
+          <a:prstGeom prst="rect">
+            <a:avLst/>
+          </a:prstGeom>
+        </p:spPr>
+      </p:pic>
+      <p:pic>
+        <p:nvPicPr>
+          <p:cNvPr id="7" name="그림 6"/>
+          <p:cNvPicPr>
+            <a:picLocks noChangeAspect="1"/>
+          </p:cNvPicPr>
+          <p:nvPr/>
+        </p:nvPicPr>
+        <p:blipFill>
+          <a:blip r:embed="rId3" cstate="print">
+            <a:extLst>
+              <a:ext uri="{28A0092B-C50C-407E-A947-70E740481C1C}">
+                <a14:useLocalDpi xmlns:a14="http://schemas.microsoft.com/office/drawing/2010/main" val="0"/>
+              </a:ext>
+            </a:extLst>
+          </a:blip>
+          <a:stretch>
+            <a:fillRect/>
+          </a:stretch>
+        </p:blipFill>
+        <p:spPr>
+          <a:xfrm>
+            <a:off x="653650" y="5035254"/>
+            <a:ext cx="2195451" cy="747179"/>
+          </a:xfrm>
+          <a:prstGeom prst="rect">
+            <a:avLst/>
+          </a:prstGeom>
+        </p:spPr>
+      </p:pic>
+      <p:pic>
+        <p:nvPicPr>
+          <p:cNvPr id="8" name="그림 7"/>
+          <p:cNvPicPr>
+            <a:picLocks noChangeAspect="1"/>
+          </p:cNvPicPr>
+          <p:nvPr/>
+        </p:nvPicPr>
+        <p:blipFill>
+          <a:blip r:embed="rId3" cstate="print">
+            <a:extLst>
+              <a:ext uri="{28A0092B-C50C-407E-A947-70E740481C1C}">
+                <a14:useLocalDpi xmlns:a14="http://schemas.microsoft.com/office/drawing/2010/main" val="0"/>
+              </a:ext>
+            </a:extLst>
+          </a:blip>
+          <a:stretch>
+            <a:fillRect/>
+          </a:stretch>
+        </p:blipFill>
+        <p:spPr>
+          <a:xfrm>
+            <a:off x="3201713" y="3166431"/>
+            <a:ext cx="2195451" cy="747179"/>
+          </a:xfrm>
+          <a:prstGeom prst="rect">
+            <a:avLst/>
+          </a:prstGeom>
+        </p:spPr>
+      </p:pic>
+      <p:graphicFrame>
+        <p:nvGraphicFramePr>
+          <p:cNvPr id="9" name="표 8"/>
+          <p:cNvGraphicFramePr>
+            <a:graphicFrameLocks noGrp="1"/>
+          </p:cNvGraphicFramePr>
+          <p:nvPr>
+            <p:extLst>
+              <p:ext uri="{D42A27DB-BD31-4B8C-83A1-F6EECF244321}">
+                <p14:modId xmlns:p14="http://schemas.microsoft.com/office/powerpoint/2010/main" val="1815957577"/>
+              </p:ext>
+            </p:extLst>
+          </p:nvPr>
+        </p:nvGraphicFramePr>
+        <p:xfrm>
+          <a:off x="6774429" y="894451"/>
+          <a:ext cx="2214555" cy="6894204"/>
+        </p:xfrm>
+        <a:graphic>
+          <a:graphicData uri="http://schemas.openxmlformats.org/drawingml/2006/table">
+            <a:tbl>
+              <a:tblPr firstRow="1" bandRow="1">
+                <a:tableStyleId>{5C22544A-7EE6-4342-B048-85BDC9FD1C3A}</a:tableStyleId>
+              </a:tblPr>
+              <a:tblGrid>
+                <a:gridCol w="246061">
+                  <a:extLst>
+                    <a:ext uri="{9D8B030D-6E8A-4147-A177-3AD203B41FA5}">
+                      <a16:colId xmlns:a16="http://schemas.microsoft.com/office/drawing/2014/main" xmlns="" val="20000"/>
+                    </a:ext>
+                  </a:extLst>
+                </a:gridCol>
+                <a:gridCol w="1968494">
+                  <a:extLst>
+                    <a:ext uri="{9D8B030D-6E8A-4147-A177-3AD203B41FA5}">
+                      <a16:colId xmlns:a16="http://schemas.microsoft.com/office/drawing/2014/main" xmlns="" val="20001"/>
+                    </a:ext>
+                  </a:extLst>
+                </a:gridCol>
+              </a:tblGrid>
+              <a:tr h="221161">
+                <a:tc>
+                  <a:txBody>
+                    <a:bodyPr/>
+                    <a:lstStyle/>
+                    <a:p>
+                      <a:pPr algn="ctr" latinLnBrk="1">
+                        <a:lnSpc>
+                          <a:spcPts val="1200"/>
+                        </a:lnSpc>
+                      </a:pPr>
+                      <a:r>
+                        <a:rPr lang="en-US" altLang="ko-KR" sz="700" b="0" dirty="0">
+                          <a:solidFill>
+                            <a:schemeClr val="tx1">
+                              <a:lumMod val="75000"/>
+                              <a:lumOff val="25000"/>
+                            </a:schemeClr>
+                          </a:solidFill>
+                          <a:latin typeface="돋움"/>
+                          <a:ea typeface="돋움"/>
+                        </a:rPr>
+                        <a:t>01</a:t>
+                      </a:r>
+                      <a:endParaRPr sz="700" b="0" dirty="0">
+                        <a:solidFill>
+                          <a:schemeClr val="tx1">
+                            <a:lumMod val="75000"/>
+                            <a:lumOff val="25000"/>
+                          </a:schemeClr>
+                        </a:solidFill>
+                        <a:latin typeface="돋움"/>
+                        <a:ea typeface="돋움"/>
+                      </a:endParaRPr>
+                    </a:p>
+                  </a:txBody>
+                  <a:tcPr marL="60952" marR="77410" marT="0" marB="41468" anchor="ctr">
+                    <a:lnL w="12700" cap="flat">
+                      <a:noFill/>
+                      <a:prstDash val="solid"/>
+                      <a:round/>
+                      <a:headEnd type="none"/>
+                      <a:tailEnd type="none"/>
+                    </a:lnL>
+                    <a:lnR w="6350" cap="flat">
+                      <a:solidFill>
+                        <a:schemeClr val="bg1">
+                          <a:lumMod val="75000"/>
+                        </a:schemeClr>
+                      </a:solidFill>
+                      <a:prstDash val="solid"/>
+                      <a:round/>
+                      <a:headEnd type="none"/>
+                      <a:tailEnd type="none"/>
+                    </a:lnR>
+                    <a:lnT w="6350" cap="flat">
+                      <a:solidFill>
+                        <a:schemeClr val="bg1">
+                          <a:lumMod val="75000"/>
+                        </a:schemeClr>
+                      </a:solidFill>
+                      <a:prstDash val="solid"/>
+                      <a:round/>
+                      <a:headEnd type="none"/>
+                      <a:tailEnd type="none"/>
+                    </a:lnT>
+                    <a:lnB w="6350" cap="flat">
+                      <a:solidFill>
+                        <a:schemeClr val="bg1">
+                          <a:lumMod val="75000"/>
+                        </a:schemeClr>
+                      </a:solidFill>
+                      <a:prstDash val="solid"/>
+                      <a:round/>
+                      <a:headEnd type="none"/>
+                      <a:tailEnd type="none"/>
+                    </a:lnB>
+                    <a:noFill/>
+                  </a:tcPr>
+                </a:tc>
+                <a:tc>
+                  <a:txBody>
+                    <a:bodyPr/>
+                    <a:lstStyle/>
+                    <a:p>
+                      <a:pPr marL="0" indent="0" latinLnBrk="1">
+                        <a:lnSpc>
+                          <a:spcPts val="1200"/>
+                        </a:lnSpc>
+                        <a:buFontTx/>
+                        <a:buNone/>
+                      </a:pPr>
+                      <a:r>
+                        <a:rPr lang="ko-KR" altLang="en-US" sz="700" b="0" baseline="0" dirty="0" smtClean="0">
+                          <a:solidFill>
+                            <a:schemeClr val="tx1">
+                              <a:lumMod val="75000"/>
+                              <a:lumOff val="25000"/>
+                            </a:schemeClr>
+                          </a:solidFill>
+                          <a:latin typeface="돋움"/>
+                          <a:ea typeface="돋움"/>
+                        </a:rPr>
+                        <a:t>현 위치 표시</a:t>
+                      </a:r>
+                      <a:endParaRPr lang="en-US" altLang="ko-KR" sz="700" b="0" baseline="0" dirty="0">
+                        <a:solidFill>
+                          <a:schemeClr val="tx1">
+                            <a:lumMod val="75000"/>
+                            <a:lumOff val="25000"/>
+                          </a:schemeClr>
+                        </a:solidFill>
+                        <a:latin typeface="돋움"/>
+                        <a:ea typeface="돋움"/>
+                      </a:endParaRPr>
+                    </a:p>
+                  </a:txBody>
+                  <a:tcPr marL="77410" marR="77410" marT="41468" marB="41468" anchor="ctr">
+                    <a:lnL w="6350" cap="flat">
+                      <a:solidFill>
+                        <a:schemeClr val="bg1">
+                          <a:lumMod val="75000"/>
+                        </a:schemeClr>
+                      </a:solidFill>
+                      <a:prstDash val="solid"/>
+                      <a:round/>
+                      <a:headEnd type="none"/>
+                      <a:tailEnd type="none"/>
+                    </a:lnL>
+                    <a:lnR w="12700" cap="flat">
+                      <a:noFill/>
+                      <a:prstDash val="solid"/>
+                      <a:round/>
+                      <a:headEnd type="none"/>
+                      <a:tailEnd type="none"/>
+                    </a:lnR>
+                    <a:lnT w="6350" cap="flat">
+                      <a:solidFill>
+                        <a:schemeClr val="bg1">
+                          <a:lumMod val="75000"/>
+                        </a:schemeClr>
+                      </a:solidFill>
+                      <a:prstDash val="solid"/>
+                      <a:round/>
+                      <a:headEnd type="none"/>
+                      <a:tailEnd type="none"/>
+                    </a:lnT>
+                    <a:lnB w="6350" cap="flat">
+                      <a:solidFill>
+                        <a:schemeClr val="bg1">
+                          <a:lumMod val="75000"/>
+                        </a:schemeClr>
+                      </a:solidFill>
+                      <a:prstDash val="solid"/>
+                      <a:round/>
+                      <a:headEnd type="none"/>
+                      <a:tailEnd type="none"/>
+                    </a:lnB>
+                    <a:noFill/>
+                  </a:tcPr>
+                </a:tc>
+                <a:extLst>
+                  <a:ext uri="{0D108BD9-81ED-4DB2-BD59-A6C34878D82A}">
+                    <a16:rowId xmlns:a16="http://schemas.microsoft.com/office/drawing/2014/main" xmlns="" val="10000"/>
+                  </a:ext>
+                </a:extLst>
+              </a:tr>
+              <a:tr h="414676">
+                <a:tc>
+                  <a:txBody>
+                    <a:bodyPr/>
+                    <a:lstStyle/>
+                    <a:p>
+                      <a:pPr algn="ctr" latinLnBrk="1">
+                        <a:lnSpc>
+                          <a:spcPts val="1200"/>
+                        </a:lnSpc>
+                      </a:pPr>
+                      <a:r>
+                        <a:rPr lang="en-US" altLang="ko-KR" sz="700" b="0" dirty="0">
+                          <a:solidFill>
+                            <a:schemeClr val="tx1">
+                              <a:lumMod val="75000"/>
+                              <a:lumOff val="25000"/>
+                            </a:schemeClr>
+                          </a:solidFill>
+                          <a:latin typeface="돋움"/>
+                          <a:ea typeface="돋움"/>
+                        </a:rPr>
+                        <a:t>02</a:t>
+                      </a:r>
+                      <a:endParaRPr sz="700" b="0" dirty="0">
+                        <a:solidFill>
+                          <a:schemeClr val="tx1">
+                            <a:lumMod val="75000"/>
+                            <a:lumOff val="25000"/>
+                          </a:schemeClr>
+                        </a:solidFill>
+                        <a:latin typeface="돋움"/>
+                        <a:ea typeface="돋움"/>
+                      </a:endParaRPr>
+                    </a:p>
+                  </a:txBody>
+                  <a:tcPr marL="60952" marR="77410" marT="0" marB="41468" anchor="ctr">
+                    <a:lnL w="12700" cap="flat">
+                      <a:noFill/>
+                      <a:prstDash val="solid"/>
+                      <a:round/>
+                      <a:headEnd type="none"/>
+                      <a:tailEnd type="none"/>
+                    </a:lnL>
+                    <a:lnR w="6350" cap="flat">
+                      <a:solidFill>
+                        <a:schemeClr val="bg1">
+                          <a:lumMod val="75000"/>
+                        </a:schemeClr>
+                      </a:solidFill>
+                      <a:prstDash val="solid"/>
+                      <a:round/>
+                      <a:headEnd type="none"/>
+                      <a:tailEnd type="none"/>
+                    </a:lnR>
+                    <a:lnT w="6350" cap="flat">
+                      <a:solidFill>
+                        <a:schemeClr val="bg1">
+                          <a:lumMod val="75000"/>
+                        </a:schemeClr>
+                      </a:solidFill>
+                      <a:prstDash val="solid"/>
+                      <a:round/>
+                      <a:headEnd type="none"/>
+                      <a:tailEnd type="none"/>
+                    </a:lnT>
+                    <a:lnB w="6350" cap="flat" cmpd="sng" algn="ctr">
+                      <a:solidFill>
+                        <a:schemeClr val="bg1">
+                          <a:lumMod val="75000"/>
+                        </a:schemeClr>
+                      </a:solidFill>
+                      <a:prstDash val="solid"/>
+                      <a:round/>
+                      <a:headEnd type="none" w="med" len="med"/>
+                      <a:tailEnd type="none" w="med" len="med"/>
+                    </a:lnB>
+                    <a:noFill/>
+                  </a:tcPr>
+                </a:tc>
+                <a:tc>
+                  <a:txBody>
+                    <a:bodyPr/>
+                    <a:lstStyle/>
+                    <a:p>
+                      <a:pPr algn="l" latinLnBrk="1"/>
+                      <a:r>
+                        <a:rPr lang="ko-KR" altLang="en-US" sz="700" dirty="0" smtClean="0"/>
+                        <a:t>지도</a:t>
+                      </a:r>
+                      <a:endParaRPr lang="en-US" altLang="ko-KR" sz="700" dirty="0" smtClean="0"/>
+                    </a:p>
+                    <a:p>
+                      <a:pPr algn="l" latinLnBrk="1"/>
+                      <a:r>
+                        <a:rPr lang="en-US" altLang="ko-KR" sz="700" dirty="0" smtClean="0"/>
+                        <a:t>-</a:t>
+                      </a:r>
+                      <a:r>
+                        <a:rPr lang="ko-KR" altLang="en-US" sz="700" dirty="0" smtClean="0"/>
+                        <a:t>내 위치 반경 </a:t>
+                      </a:r>
+                      <a:r>
+                        <a:rPr lang="en-US" altLang="ko-KR" sz="700" dirty="0" smtClean="0"/>
+                        <a:t>1km </a:t>
+                      </a:r>
+                      <a:r>
+                        <a:rPr lang="ko-KR" altLang="en-US" sz="700" dirty="0" smtClean="0"/>
+                        <a:t>이내의 착한 가격 식당</a:t>
+                      </a:r>
+                      <a:r>
+                        <a:rPr lang="en-US" altLang="ko-KR" sz="700" dirty="0" smtClean="0"/>
+                        <a:t>, </a:t>
+                      </a:r>
+                    </a:p>
+                    <a:p>
+                      <a:pPr algn="l" latinLnBrk="1"/>
+                      <a:r>
+                        <a:rPr lang="ko-KR" altLang="en-US" sz="700" dirty="0" err="1" smtClean="0"/>
+                        <a:t>맛칩</a:t>
+                      </a:r>
+                      <a:r>
+                        <a:rPr lang="ko-KR" altLang="en-US" sz="700" dirty="0" smtClean="0"/>
+                        <a:t> 인증 식당</a:t>
+                      </a:r>
+                      <a:r>
+                        <a:rPr lang="en-US" altLang="ko-KR" sz="700" dirty="0" smtClean="0"/>
+                        <a:t>, </a:t>
+                      </a:r>
+                      <a:r>
+                        <a:rPr lang="ko-KR" altLang="en-US" sz="700" dirty="0" smtClean="0"/>
+                        <a:t>위치 </a:t>
+                      </a:r>
+                      <a:r>
+                        <a:rPr lang="ko-KR" altLang="en-US" sz="700" dirty="0" err="1" smtClean="0"/>
+                        <a:t>마커</a:t>
+                      </a:r>
+                      <a:r>
+                        <a:rPr lang="ko-KR" altLang="en-US" sz="700" dirty="0" smtClean="0"/>
+                        <a:t> 표시</a:t>
+                      </a:r>
+                      <a:endParaRPr lang="ko-KR" altLang="en-US" sz="700" dirty="0"/>
+                    </a:p>
+                  </a:txBody>
+                  <a:tcPr marL="77410" marR="77410" marT="41468" marB="41468" anchor="ctr">
+                    <a:lnL w="6350" cap="flat">
+                      <a:solidFill>
+                        <a:schemeClr val="bg1">
+                          <a:lumMod val="75000"/>
+                        </a:schemeClr>
+                      </a:solidFill>
+                      <a:prstDash val="solid"/>
+                      <a:round/>
+                      <a:headEnd type="none"/>
+                      <a:tailEnd type="none"/>
+                    </a:lnL>
+                    <a:lnR w="12700" cap="flat">
+                      <a:noFill/>
+                      <a:prstDash val="solid"/>
+                      <a:round/>
+                      <a:headEnd type="none"/>
+                      <a:tailEnd type="none"/>
+                    </a:lnR>
+                    <a:lnT w="6350" cap="flat">
+                      <a:solidFill>
+                        <a:schemeClr val="bg1">
+                          <a:lumMod val="75000"/>
+                        </a:schemeClr>
+                      </a:solidFill>
+                      <a:prstDash val="solid"/>
+                      <a:round/>
+                      <a:headEnd type="none"/>
+                      <a:tailEnd type="none"/>
+                    </a:lnT>
+                    <a:lnB w="6350" cap="flat" cmpd="sng" algn="ctr">
+                      <a:solidFill>
+                        <a:schemeClr val="bg1">
+                          <a:lumMod val="75000"/>
+                        </a:schemeClr>
+                      </a:solidFill>
+                      <a:prstDash val="solid"/>
+                      <a:round/>
+                      <a:headEnd type="none" w="med" len="med"/>
+                      <a:tailEnd type="none" w="med" len="med"/>
+                    </a:lnB>
+                    <a:noFill/>
+                  </a:tcPr>
+                </a:tc>
+                <a:extLst>
+                  <a:ext uri="{0D108BD9-81ED-4DB2-BD59-A6C34878D82A}">
+                    <a16:rowId xmlns:a16="http://schemas.microsoft.com/office/drawing/2014/main" xmlns="" val="10001"/>
+                  </a:ext>
+                </a:extLst>
+              </a:tr>
+              <a:tr h="221161">
+                <a:tc>
+                  <a:txBody>
+                    <a:bodyPr/>
+                    <a:lstStyle/>
+                    <a:p>
+                      <a:pPr algn="ctr" latinLnBrk="1">
+                        <a:lnSpc>
+                          <a:spcPts val="1200"/>
+                        </a:lnSpc>
+                      </a:pPr>
+                      <a:r>
+                        <a:rPr lang="en-US" altLang="ko-KR" sz="700" b="0" dirty="0">
+                          <a:solidFill>
+                            <a:schemeClr val="tx1">
+                              <a:lumMod val="75000"/>
+                              <a:lumOff val="25000"/>
+                            </a:schemeClr>
+                          </a:solidFill>
+                          <a:latin typeface="돋움"/>
+                          <a:ea typeface="돋움"/>
+                        </a:rPr>
+                        <a:t>03</a:t>
+                      </a:r>
+                      <a:endParaRPr sz="700" b="0" dirty="0">
+                        <a:solidFill>
+                          <a:schemeClr val="tx1">
+                            <a:lumMod val="75000"/>
+                            <a:lumOff val="25000"/>
+                          </a:schemeClr>
+                        </a:solidFill>
+                        <a:latin typeface="돋움"/>
+                        <a:ea typeface="돋움"/>
+                      </a:endParaRPr>
+                    </a:p>
+                  </a:txBody>
+                  <a:tcPr marL="60952" marR="77410" marT="0" marB="41468" anchor="ctr">
+                    <a:lnL w="12700" cap="flat">
+                      <a:noFill/>
+                      <a:prstDash val="solid"/>
+                      <a:round/>
+                      <a:headEnd type="none"/>
+                      <a:tailEnd type="none"/>
+                    </a:lnL>
+                    <a:lnR w="6350" cap="flat">
+                      <a:solidFill>
+                        <a:schemeClr val="bg1">
+                          <a:lumMod val="75000"/>
+                        </a:schemeClr>
+                      </a:solidFill>
+                      <a:prstDash val="solid"/>
+                      <a:round/>
+                      <a:headEnd type="none"/>
+                      <a:tailEnd type="none"/>
+                    </a:lnR>
+                    <a:lnT w="6350" cap="flat">
+                      <a:solidFill>
+                        <a:schemeClr val="bg1">
+                          <a:lumMod val="75000"/>
+                        </a:schemeClr>
+                      </a:solidFill>
+                      <a:prstDash val="solid"/>
+                      <a:round/>
+                      <a:headEnd type="none"/>
+                      <a:tailEnd type="none"/>
+                    </a:lnT>
+                    <a:lnB w="6350" cap="flat">
+                      <a:solidFill>
+                        <a:schemeClr val="bg1">
+                          <a:lumMod val="75000"/>
+                        </a:schemeClr>
+                      </a:solidFill>
+                      <a:prstDash val="solid"/>
+                      <a:round/>
+                      <a:headEnd type="none"/>
+                      <a:tailEnd type="none"/>
+                    </a:lnB>
+                    <a:noFill/>
+                  </a:tcPr>
+                </a:tc>
+                <a:tc>
+                  <a:txBody>
+                    <a:bodyPr/>
+                    <a:lstStyle/>
+                    <a:p>
+                      <a:pPr marL="0" indent="0" latinLnBrk="1">
+                        <a:lnSpc>
+                          <a:spcPts val="1200"/>
+                        </a:lnSpc>
+                        <a:buFontTx/>
+                        <a:buNone/>
+                      </a:pPr>
+                      <a:r>
+                        <a:rPr lang="ko-KR" altLang="en-US" sz="700" b="0" baseline="0" dirty="0" smtClean="0">
+                          <a:solidFill>
+                            <a:schemeClr val="tx1">
+                              <a:lumMod val="75000"/>
+                              <a:lumOff val="25000"/>
+                            </a:schemeClr>
+                          </a:solidFill>
+                          <a:latin typeface="돋움"/>
+                          <a:ea typeface="돋움"/>
+                        </a:rPr>
+                        <a:t>내 위치</a:t>
+                      </a:r>
+                      <a:endParaRPr sz="700" b="0" baseline="0" dirty="0">
+                        <a:solidFill>
+                          <a:schemeClr val="tx1">
+                            <a:lumMod val="75000"/>
+                            <a:lumOff val="25000"/>
+                          </a:schemeClr>
+                        </a:solidFill>
+                        <a:latin typeface="돋움"/>
+                        <a:ea typeface="돋움"/>
+                      </a:endParaRPr>
+                    </a:p>
+                  </a:txBody>
+                  <a:tcPr marL="77410" marR="77410" marT="41468" marB="41468" anchor="ctr">
+                    <a:lnL w="6350" cap="flat">
+                      <a:solidFill>
+                        <a:schemeClr val="bg1">
+                          <a:lumMod val="75000"/>
+                        </a:schemeClr>
+                      </a:solidFill>
+                      <a:prstDash val="solid"/>
+                      <a:round/>
+                      <a:headEnd type="none"/>
+                      <a:tailEnd type="none"/>
+                    </a:lnL>
+                    <a:lnR w="12700" cap="flat">
+                      <a:noFill/>
+                      <a:prstDash val="solid"/>
+                      <a:round/>
+                      <a:headEnd type="none"/>
+                      <a:tailEnd type="none"/>
+                    </a:lnR>
+                    <a:lnT w="6350" cap="flat">
+                      <a:solidFill>
+                        <a:schemeClr val="bg1">
+                          <a:lumMod val="75000"/>
+                        </a:schemeClr>
+                      </a:solidFill>
+                      <a:prstDash val="solid"/>
+                      <a:round/>
+                      <a:headEnd type="none"/>
+                      <a:tailEnd type="none"/>
+                    </a:lnT>
+                    <a:lnB w="6350" cap="flat">
+                      <a:solidFill>
+                        <a:schemeClr val="bg1">
+                          <a:lumMod val="75000"/>
+                        </a:schemeClr>
+                      </a:solidFill>
+                      <a:prstDash val="solid"/>
+                      <a:round/>
+                      <a:headEnd type="none"/>
+                      <a:tailEnd type="none"/>
+                    </a:lnB>
+                    <a:noFill/>
+                  </a:tcPr>
+                </a:tc>
+                <a:extLst>
+                  <a:ext uri="{0D108BD9-81ED-4DB2-BD59-A6C34878D82A}">
+                    <a16:rowId xmlns:a16="http://schemas.microsoft.com/office/drawing/2014/main" xmlns="" val="10002"/>
+                  </a:ext>
+                </a:extLst>
+              </a:tr>
+              <a:tr h="221161">
+                <a:tc>
+                  <a:txBody>
+                    <a:bodyPr/>
+                    <a:lstStyle/>
+                    <a:p>
+                      <a:pPr algn="ctr" latinLnBrk="1">
+                        <a:lnSpc>
+                          <a:spcPts val="1200"/>
+                        </a:lnSpc>
+                      </a:pPr>
+                      <a:r>
+                        <a:rPr lang="en-US" altLang="ko-KR" sz="700" b="0" dirty="0">
+                          <a:solidFill>
+                            <a:schemeClr val="tx1">
+                              <a:lumMod val="75000"/>
+                              <a:lumOff val="25000"/>
+                            </a:schemeClr>
+                          </a:solidFill>
+                          <a:latin typeface="돋움"/>
+                          <a:ea typeface="돋움"/>
+                        </a:rPr>
+                        <a:t>04</a:t>
+                      </a:r>
+                      <a:endParaRPr sz="700" b="0" dirty="0">
+                        <a:solidFill>
+                          <a:schemeClr val="tx1">
+                            <a:lumMod val="75000"/>
+                            <a:lumOff val="25000"/>
+                          </a:schemeClr>
+                        </a:solidFill>
+                        <a:latin typeface="돋움"/>
+                        <a:ea typeface="돋움"/>
+                      </a:endParaRPr>
+                    </a:p>
+                  </a:txBody>
+                  <a:tcPr marL="60952" marR="77410" marT="0" marB="41468" anchor="ctr">
+                    <a:lnL w="12700" cap="flat">
+                      <a:noFill/>
+                      <a:prstDash val="solid"/>
+                      <a:round/>
+                      <a:headEnd type="none"/>
+                      <a:tailEnd type="none"/>
+                    </a:lnL>
+                    <a:lnR w="6350" cap="flat" cmpd="sng" algn="ctr">
+                      <a:solidFill>
+                        <a:schemeClr val="bg1">
+                          <a:lumMod val="75000"/>
+                        </a:schemeClr>
+                      </a:solidFill>
+                      <a:prstDash val="solid"/>
+                      <a:round/>
+                      <a:headEnd type="none" w="med" len="med"/>
+                      <a:tailEnd type="none" w="med" len="med"/>
+                    </a:lnR>
+                    <a:lnT w="6350" cap="flat" cmpd="sng" algn="ctr">
+                      <a:solidFill>
+                        <a:schemeClr val="bg1">
+                          <a:lumMod val="75000"/>
+                        </a:schemeClr>
+                      </a:solidFill>
+                      <a:prstDash val="solid"/>
+                      <a:round/>
+                      <a:headEnd type="none" w="med" len="med"/>
+                      <a:tailEnd type="none" w="med" len="med"/>
+                    </a:lnT>
+                    <a:lnB w="6350" cap="flat" cmpd="sng" algn="ctr">
+                      <a:solidFill>
+                        <a:schemeClr val="bg1">
+                          <a:lumMod val="75000"/>
+                        </a:schemeClr>
+                      </a:solidFill>
+                      <a:prstDash val="solid"/>
+                      <a:round/>
+                      <a:headEnd type="none" w="med" len="med"/>
+                      <a:tailEnd type="none" w="med" len="med"/>
+                    </a:lnB>
+                    <a:noFill/>
+                  </a:tcPr>
+                </a:tc>
+                <a:tc>
+                  <a:txBody>
+                    <a:bodyPr/>
+                    <a:lstStyle/>
+                    <a:p>
+                      <a:pPr marL="0" indent="0" latinLnBrk="1">
+                        <a:lnSpc>
+                          <a:spcPts val="1200"/>
+                        </a:lnSpc>
+                        <a:buNone/>
+                      </a:pPr>
+                      <a:r>
+                        <a:rPr lang="ko-KR" altLang="en-US" sz="700" b="0" baseline="0" dirty="0" smtClean="0">
+                          <a:solidFill>
+                            <a:schemeClr val="tx1">
+                              <a:lumMod val="75000"/>
+                              <a:lumOff val="25000"/>
+                            </a:schemeClr>
+                          </a:solidFill>
+                          <a:latin typeface="돋움"/>
+                          <a:ea typeface="돋움"/>
+                        </a:rPr>
+                        <a:t>식당 위치 </a:t>
+                      </a:r>
+                      <a:r>
+                        <a:rPr lang="ko-KR" altLang="en-US" sz="700" b="0" baseline="0" dirty="0" err="1" smtClean="0">
+                          <a:solidFill>
+                            <a:schemeClr val="tx1">
+                              <a:lumMod val="75000"/>
+                              <a:lumOff val="25000"/>
+                            </a:schemeClr>
+                          </a:solidFill>
+                          <a:latin typeface="돋움"/>
+                          <a:ea typeface="돋움"/>
+                        </a:rPr>
+                        <a:t>마커</a:t>
+                      </a:r>
+                      <a:endParaRPr sz="700" b="0" baseline="0" dirty="0">
+                        <a:solidFill>
+                          <a:schemeClr val="tx1">
+                            <a:lumMod val="75000"/>
+                            <a:lumOff val="25000"/>
+                          </a:schemeClr>
+                        </a:solidFill>
+                        <a:latin typeface="돋움"/>
+                        <a:ea typeface="돋움"/>
+                      </a:endParaRPr>
+                    </a:p>
+                  </a:txBody>
+                  <a:tcPr marL="77410" marR="77410" marT="41468" marB="41468" anchor="ctr">
+                    <a:lnL w="6350" cap="flat" cmpd="sng" algn="ctr">
+                      <a:solidFill>
+                        <a:schemeClr val="bg1">
+                          <a:lumMod val="75000"/>
+                        </a:schemeClr>
+                      </a:solidFill>
+                      <a:prstDash val="solid"/>
+                      <a:round/>
+                      <a:headEnd type="none" w="med" len="med"/>
+                      <a:tailEnd type="none" w="med" len="med"/>
+                    </a:lnL>
+                    <a:lnR w="12700" cap="flat">
+                      <a:noFill/>
+                      <a:prstDash val="solid"/>
+                      <a:round/>
+                      <a:headEnd type="none"/>
+                      <a:tailEnd type="none"/>
+                    </a:lnR>
+                    <a:lnT w="6350" cap="flat" cmpd="sng" algn="ctr">
+                      <a:solidFill>
+                        <a:schemeClr val="bg1">
+                          <a:lumMod val="75000"/>
+                        </a:schemeClr>
+                      </a:solidFill>
+                      <a:prstDash val="solid"/>
+                      <a:round/>
+                      <a:headEnd type="none" w="med" len="med"/>
+                      <a:tailEnd type="none" w="med" len="med"/>
+                    </a:lnT>
+                    <a:lnB w="6350" cap="flat" cmpd="sng" algn="ctr">
+                      <a:solidFill>
+                        <a:schemeClr val="bg1">
+                          <a:lumMod val="75000"/>
+                        </a:schemeClr>
+                      </a:solidFill>
+                      <a:prstDash val="solid"/>
+                      <a:round/>
+                      <a:headEnd type="none" w="med" len="med"/>
+                      <a:tailEnd type="none" w="med" len="med"/>
+                    </a:lnB>
+                    <a:noFill/>
+                  </a:tcPr>
+                </a:tc>
+                <a:extLst>
+                  <a:ext uri="{0D108BD9-81ED-4DB2-BD59-A6C34878D82A}">
+                    <a16:rowId xmlns:a16="http://schemas.microsoft.com/office/drawing/2014/main" xmlns="" val="10003"/>
+                  </a:ext>
+                </a:extLst>
+              </a:tr>
+              <a:tr h="635837">
+                <a:tc>
+                  <a:txBody>
+                    <a:bodyPr/>
+                    <a:lstStyle/>
+                    <a:p>
+                      <a:pPr algn="ctr" latinLnBrk="1">
+                        <a:lnSpc>
+                          <a:spcPts val="1200"/>
+                        </a:lnSpc>
+                      </a:pPr>
+                      <a:r>
+                        <a:rPr lang="en-US" sz="700" b="0" dirty="0" smtClean="0">
+                          <a:solidFill>
+                            <a:schemeClr val="tx1">
+                              <a:lumMod val="75000"/>
+                              <a:lumOff val="25000"/>
+                            </a:schemeClr>
+                          </a:solidFill>
+                          <a:latin typeface="돋움"/>
+                          <a:ea typeface="돋움"/>
+                        </a:rPr>
+                        <a:t>05</a:t>
+                      </a:r>
+                      <a:endParaRPr sz="700" b="0" dirty="0">
+                        <a:solidFill>
+                          <a:schemeClr val="tx1">
+                            <a:lumMod val="75000"/>
+                            <a:lumOff val="25000"/>
+                          </a:schemeClr>
+                        </a:solidFill>
+                        <a:latin typeface="돋움"/>
+                        <a:ea typeface="돋움"/>
+                      </a:endParaRPr>
+                    </a:p>
+                  </a:txBody>
+                  <a:tcPr marL="60952" marR="77410" marT="0" marB="41468" anchor="ctr">
+                    <a:lnL w="12700" cap="flat">
+                      <a:noFill/>
+                      <a:prstDash val="solid"/>
+                      <a:round/>
+                      <a:headEnd type="none"/>
+                      <a:tailEnd type="none"/>
+                    </a:lnL>
+                    <a:lnR w="6350" cap="flat" cmpd="sng" algn="ctr">
+                      <a:solidFill>
+                        <a:schemeClr val="bg1">
+                          <a:lumMod val="75000"/>
+                        </a:schemeClr>
+                      </a:solidFill>
+                      <a:prstDash val="solid"/>
+                      <a:round/>
+                      <a:headEnd type="none" w="med" len="med"/>
+                      <a:tailEnd type="none" w="med" len="med"/>
+                    </a:lnR>
+                    <a:lnT w="6350" cap="flat" cmpd="sng" algn="ctr">
+                      <a:solidFill>
+                        <a:schemeClr val="bg1">
+                          <a:lumMod val="75000"/>
+                        </a:schemeClr>
+                      </a:solidFill>
+                      <a:prstDash val="solid"/>
+                      <a:round/>
+                      <a:headEnd type="none" w="med" len="med"/>
+                      <a:tailEnd type="none" w="med" len="med"/>
+                    </a:lnT>
+                    <a:lnB w="6350" cap="flat" cmpd="sng" algn="ctr">
+                      <a:solidFill>
+                        <a:schemeClr val="bg1">
+                          <a:lumMod val="75000"/>
+                        </a:schemeClr>
+                      </a:solidFill>
+                      <a:prstDash val="solid"/>
+                      <a:round/>
+                      <a:headEnd type="none" w="med" len="med"/>
+                      <a:tailEnd type="none" w="med" len="med"/>
+                    </a:lnB>
+                    <a:noFill/>
+                  </a:tcPr>
+                </a:tc>
+                <a:tc>
+                  <a:txBody>
+                    <a:bodyPr/>
+                    <a:lstStyle/>
+                    <a:p>
+                      <a:pPr marL="0" indent="0" latinLnBrk="1">
+                        <a:lnSpc>
+                          <a:spcPts val="1200"/>
+                        </a:lnSpc>
+                        <a:buNone/>
+                      </a:pPr>
+                      <a:r>
+                        <a:rPr lang="ko-KR" altLang="en-US" sz="700" b="0" baseline="0" dirty="0" smtClean="0">
+                          <a:solidFill>
+                            <a:schemeClr val="tx1">
+                              <a:lumMod val="75000"/>
+                              <a:lumOff val="25000"/>
+                            </a:schemeClr>
+                          </a:solidFill>
+                          <a:latin typeface="돋움"/>
+                          <a:ea typeface="돋움"/>
+                        </a:rPr>
+                        <a:t>식당 이름</a:t>
+                      </a:r>
+                      <a:endParaRPr lang="en-US" altLang="ko-KR" sz="700" b="0" baseline="0" dirty="0" smtClean="0">
+                        <a:solidFill>
+                          <a:schemeClr val="tx1">
+                            <a:lumMod val="75000"/>
+                            <a:lumOff val="25000"/>
+                          </a:schemeClr>
+                        </a:solidFill>
+                        <a:latin typeface="돋움"/>
+                        <a:ea typeface="돋움"/>
+                      </a:endParaRPr>
+                    </a:p>
+                    <a:p>
+                      <a:pPr marL="0" indent="0" latinLnBrk="1">
+                        <a:lnSpc>
+                          <a:spcPts val="1200"/>
+                        </a:lnSpc>
+                        <a:buNone/>
+                      </a:pPr>
+                      <a:r>
+                        <a:rPr lang="en-US" sz="700" b="0" baseline="0" dirty="0" smtClean="0">
+                          <a:solidFill>
+                            <a:schemeClr val="tx1">
+                              <a:lumMod val="75000"/>
+                              <a:lumOff val="25000"/>
+                            </a:schemeClr>
+                          </a:solidFill>
+                          <a:latin typeface="돋움"/>
+                          <a:ea typeface="돋움"/>
+                        </a:rPr>
+                        <a:t>-</a:t>
+                      </a:r>
+                      <a:r>
+                        <a:rPr lang="ko-KR" altLang="en-US" sz="700" b="0" baseline="0" dirty="0" smtClean="0">
+                          <a:solidFill>
+                            <a:schemeClr val="tx1">
+                              <a:lumMod val="75000"/>
+                              <a:lumOff val="25000"/>
+                            </a:schemeClr>
+                          </a:solidFill>
+                          <a:latin typeface="돋움"/>
+                          <a:ea typeface="돋움"/>
+                        </a:rPr>
+                        <a:t>착한 가격 업소</a:t>
+                      </a:r>
+                      <a:r>
+                        <a:rPr lang="en-US" altLang="ko-KR" sz="700" b="0" baseline="0" dirty="0" smtClean="0">
+                          <a:solidFill>
+                            <a:schemeClr val="tx1">
+                              <a:lumMod val="75000"/>
+                              <a:lumOff val="25000"/>
+                            </a:schemeClr>
+                          </a:solidFill>
+                          <a:latin typeface="돋움"/>
+                          <a:ea typeface="돋움"/>
+                        </a:rPr>
+                        <a:t>(</a:t>
+                      </a:r>
+                      <a:r>
+                        <a:rPr lang="ko-KR" altLang="en-US" sz="700" b="0" baseline="0" dirty="0" smtClean="0">
+                          <a:solidFill>
+                            <a:schemeClr val="tx1">
+                              <a:lumMod val="75000"/>
+                              <a:lumOff val="25000"/>
+                            </a:schemeClr>
+                          </a:solidFill>
+                          <a:latin typeface="돋움"/>
+                          <a:ea typeface="돋움"/>
+                        </a:rPr>
+                        <a:t>흰색 바탕</a:t>
+                      </a:r>
+                      <a:r>
+                        <a:rPr lang="en-US" altLang="ko-KR" sz="700" b="0" baseline="0" dirty="0" smtClean="0">
+                          <a:solidFill>
+                            <a:schemeClr val="tx1">
+                              <a:lumMod val="75000"/>
+                              <a:lumOff val="25000"/>
+                            </a:schemeClr>
+                          </a:solidFill>
+                          <a:latin typeface="돋움"/>
+                          <a:ea typeface="돋움"/>
+                        </a:rPr>
+                        <a:t>, </a:t>
+                      </a:r>
+                      <a:r>
+                        <a:rPr lang="ko-KR" altLang="en-US" sz="700" b="0" baseline="0" dirty="0" smtClean="0">
+                          <a:solidFill>
+                            <a:schemeClr val="tx1">
+                              <a:lumMod val="75000"/>
+                              <a:lumOff val="25000"/>
+                            </a:schemeClr>
+                          </a:solidFill>
+                          <a:latin typeface="돋움"/>
+                          <a:ea typeface="돋움"/>
+                        </a:rPr>
+                        <a:t>검은색 글씨</a:t>
+                      </a:r>
+                      <a:r>
+                        <a:rPr lang="en-US" altLang="ko-KR" sz="700" b="0" baseline="0" dirty="0" smtClean="0">
+                          <a:solidFill>
+                            <a:schemeClr val="tx1">
+                              <a:lumMod val="75000"/>
+                              <a:lumOff val="25000"/>
+                            </a:schemeClr>
+                          </a:solidFill>
+                          <a:latin typeface="돋움"/>
+                          <a:ea typeface="돋움"/>
+                        </a:rPr>
+                        <a:t>)</a:t>
+                      </a:r>
+                    </a:p>
+                    <a:p>
+                      <a:pPr marL="0" indent="0" latinLnBrk="1">
+                        <a:lnSpc>
+                          <a:spcPts val="1200"/>
+                        </a:lnSpc>
+                        <a:buNone/>
+                      </a:pPr>
+                      <a:r>
+                        <a:rPr lang="en-US" sz="700" b="0" baseline="0" dirty="0" smtClean="0">
+                          <a:solidFill>
+                            <a:schemeClr val="tx1">
+                              <a:lumMod val="75000"/>
+                              <a:lumOff val="25000"/>
+                            </a:schemeClr>
+                          </a:solidFill>
+                          <a:latin typeface="돋움"/>
+                          <a:ea typeface="돋움"/>
+                        </a:rPr>
+                        <a:t>-</a:t>
+                      </a:r>
+                      <a:r>
+                        <a:rPr lang="ko-KR" altLang="en-US" sz="700" b="0" baseline="0" dirty="0" err="1" smtClean="0">
+                          <a:solidFill>
+                            <a:schemeClr val="tx1">
+                              <a:lumMod val="75000"/>
+                              <a:lumOff val="25000"/>
+                            </a:schemeClr>
+                          </a:solidFill>
+                          <a:latin typeface="돋움"/>
+                          <a:ea typeface="돋움"/>
+                        </a:rPr>
+                        <a:t>맛칩</a:t>
+                      </a:r>
+                      <a:r>
+                        <a:rPr lang="ko-KR" altLang="en-US" sz="700" b="0" baseline="0" dirty="0" smtClean="0">
+                          <a:solidFill>
+                            <a:schemeClr val="tx1">
+                              <a:lumMod val="75000"/>
+                              <a:lumOff val="25000"/>
+                            </a:schemeClr>
+                          </a:solidFill>
+                          <a:latin typeface="돋움"/>
+                          <a:ea typeface="돋움"/>
+                        </a:rPr>
+                        <a:t> 인증 가게</a:t>
+                      </a:r>
+                      <a:r>
+                        <a:rPr lang="en-US" altLang="ko-KR" sz="700" b="0" baseline="0" dirty="0" smtClean="0">
+                          <a:solidFill>
+                            <a:schemeClr val="tx1">
+                              <a:lumMod val="75000"/>
+                              <a:lumOff val="25000"/>
+                            </a:schemeClr>
+                          </a:solidFill>
+                          <a:latin typeface="돋움"/>
+                          <a:ea typeface="돋움"/>
+                        </a:rPr>
+                        <a:t>(</a:t>
+                      </a:r>
+                      <a:r>
+                        <a:rPr lang="ko-KR" altLang="en-US" sz="700" b="0" baseline="0" dirty="0" smtClean="0">
+                          <a:solidFill>
+                            <a:schemeClr val="tx1">
+                              <a:lumMod val="75000"/>
+                              <a:lumOff val="25000"/>
+                            </a:schemeClr>
+                          </a:solidFill>
+                          <a:latin typeface="돋움"/>
+                          <a:ea typeface="돋움"/>
+                        </a:rPr>
+                        <a:t>파란 바탕</a:t>
+                      </a:r>
+                      <a:r>
+                        <a:rPr lang="en-US" altLang="ko-KR" sz="700" b="0" baseline="0" dirty="0" smtClean="0">
+                          <a:solidFill>
+                            <a:schemeClr val="tx1">
+                              <a:lumMod val="75000"/>
+                              <a:lumOff val="25000"/>
+                            </a:schemeClr>
+                          </a:solidFill>
+                          <a:latin typeface="돋움"/>
+                          <a:ea typeface="돋움"/>
+                        </a:rPr>
+                        <a:t>, </a:t>
+                      </a:r>
+                      <a:r>
+                        <a:rPr lang="ko-KR" altLang="en-US" sz="700" b="0" baseline="0" dirty="0" smtClean="0">
+                          <a:solidFill>
+                            <a:schemeClr val="tx1">
+                              <a:lumMod val="75000"/>
+                              <a:lumOff val="25000"/>
+                            </a:schemeClr>
+                          </a:solidFill>
+                          <a:latin typeface="돋움"/>
+                          <a:ea typeface="돋움"/>
+                        </a:rPr>
+                        <a:t>검은색 글씨</a:t>
+                      </a:r>
+                      <a:r>
+                        <a:rPr lang="en-US" altLang="ko-KR" sz="700" b="0" baseline="0" dirty="0" smtClean="0">
+                          <a:solidFill>
+                            <a:schemeClr val="tx1">
+                              <a:lumMod val="75000"/>
+                              <a:lumOff val="25000"/>
+                            </a:schemeClr>
+                          </a:solidFill>
+                          <a:latin typeface="돋움"/>
+                          <a:ea typeface="돋움"/>
+                        </a:rPr>
+                        <a:t>)</a:t>
+                      </a:r>
+                    </a:p>
+                    <a:p>
+                      <a:pPr marL="0" indent="0" latinLnBrk="1">
+                        <a:lnSpc>
+                          <a:spcPts val="1200"/>
+                        </a:lnSpc>
+                        <a:buNone/>
+                      </a:pPr>
+                      <a:r>
+                        <a:rPr lang="en-US" sz="700" b="0" baseline="0" dirty="0" smtClean="0">
+                          <a:solidFill>
+                            <a:schemeClr val="tx1">
+                              <a:lumMod val="75000"/>
+                              <a:lumOff val="25000"/>
+                            </a:schemeClr>
+                          </a:solidFill>
+                          <a:latin typeface="돋움"/>
+                          <a:ea typeface="돋움"/>
+                        </a:rPr>
+                        <a:t>-</a:t>
+                      </a:r>
+                      <a:r>
+                        <a:rPr lang="ko-KR" altLang="en-US" sz="700" b="0" baseline="0" dirty="0" err="1" smtClean="0">
+                          <a:solidFill>
+                            <a:schemeClr val="tx1">
+                              <a:lumMod val="75000"/>
+                              <a:lumOff val="25000"/>
+                            </a:schemeClr>
+                          </a:solidFill>
+                          <a:latin typeface="돋움"/>
+                          <a:ea typeface="돋움"/>
+                        </a:rPr>
+                        <a:t>즐겨찾기</a:t>
+                      </a:r>
+                      <a:r>
+                        <a:rPr lang="ko-KR" altLang="en-US" sz="700" b="0" baseline="0" dirty="0" smtClean="0">
+                          <a:solidFill>
+                            <a:schemeClr val="tx1">
+                              <a:lumMod val="75000"/>
+                              <a:lumOff val="25000"/>
+                            </a:schemeClr>
+                          </a:solidFill>
+                          <a:latin typeface="돋움"/>
+                          <a:ea typeface="돋움"/>
+                        </a:rPr>
+                        <a:t> 가게</a:t>
+                      </a:r>
+                      <a:r>
+                        <a:rPr lang="en-US" altLang="ko-KR" sz="700" b="0" baseline="0" dirty="0" smtClean="0">
+                          <a:solidFill>
+                            <a:schemeClr val="tx1">
+                              <a:lumMod val="75000"/>
+                              <a:lumOff val="25000"/>
+                            </a:schemeClr>
+                          </a:solidFill>
+                          <a:latin typeface="돋움"/>
+                          <a:ea typeface="돋움"/>
+                        </a:rPr>
+                        <a:t> (</a:t>
+                      </a:r>
+                      <a:r>
+                        <a:rPr lang="ko-KR" altLang="en-US" sz="700" b="0" baseline="0" dirty="0" smtClean="0">
+                          <a:solidFill>
+                            <a:schemeClr val="tx1">
+                              <a:lumMod val="75000"/>
+                              <a:lumOff val="25000"/>
+                            </a:schemeClr>
+                          </a:solidFill>
+                          <a:latin typeface="돋움"/>
+                          <a:ea typeface="돋움"/>
+                        </a:rPr>
+                        <a:t>노랑 바탕</a:t>
+                      </a:r>
+                      <a:r>
+                        <a:rPr lang="en-US" altLang="ko-KR" sz="700" b="0" baseline="0" dirty="0" smtClean="0">
+                          <a:solidFill>
+                            <a:schemeClr val="tx1">
+                              <a:lumMod val="75000"/>
+                              <a:lumOff val="25000"/>
+                            </a:schemeClr>
+                          </a:solidFill>
+                          <a:latin typeface="돋움"/>
+                          <a:ea typeface="돋움"/>
+                        </a:rPr>
+                        <a:t>, </a:t>
+                      </a:r>
+                      <a:r>
+                        <a:rPr lang="ko-KR" altLang="en-US" sz="700" b="0" baseline="0" dirty="0" smtClean="0">
+                          <a:solidFill>
+                            <a:schemeClr val="tx1">
+                              <a:lumMod val="75000"/>
+                              <a:lumOff val="25000"/>
+                            </a:schemeClr>
+                          </a:solidFill>
+                          <a:latin typeface="돋움"/>
+                          <a:ea typeface="돋움"/>
+                        </a:rPr>
+                        <a:t>검은색 글씨</a:t>
+                      </a:r>
+                      <a:r>
+                        <a:rPr lang="en-US" altLang="ko-KR" sz="700" b="0" baseline="0" dirty="0" smtClean="0">
+                          <a:solidFill>
+                            <a:schemeClr val="tx1">
+                              <a:lumMod val="75000"/>
+                              <a:lumOff val="25000"/>
+                            </a:schemeClr>
+                          </a:solidFill>
+                          <a:latin typeface="돋움"/>
+                          <a:ea typeface="돋움"/>
+                        </a:rPr>
+                        <a:t>)</a:t>
+                      </a:r>
+                      <a:endParaRPr sz="700" b="0" baseline="0" dirty="0">
+                        <a:solidFill>
+                          <a:schemeClr val="tx1">
+                            <a:lumMod val="75000"/>
+                            <a:lumOff val="25000"/>
+                          </a:schemeClr>
+                        </a:solidFill>
+                        <a:latin typeface="돋움"/>
+                        <a:ea typeface="돋움"/>
+                      </a:endParaRPr>
+                    </a:p>
+                  </a:txBody>
+                  <a:tcPr marL="77410" marR="77410" marT="41468" marB="41468" anchor="ctr">
+                    <a:lnL w="6350" cap="flat" cmpd="sng" algn="ctr">
+                      <a:solidFill>
+                        <a:schemeClr val="bg1">
+                          <a:lumMod val="75000"/>
+                        </a:schemeClr>
+                      </a:solidFill>
+                      <a:prstDash val="solid"/>
+                      <a:round/>
+                      <a:headEnd type="none" w="med" len="med"/>
+                      <a:tailEnd type="none" w="med" len="med"/>
+                    </a:lnL>
+                    <a:lnR w="12700" cap="flat">
+                      <a:noFill/>
+                      <a:prstDash val="solid"/>
+                      <a:round/>
+                      <a:headEnd type="none"/>
+                      <a:tailEnd type="none"/>
+                    </a:lnR>
+                    <a:lnT w="6350" cap="flat" cmpd="sng" algn="ctr">
+                      <a:solidFill>
+                        <a:schemeClr val="bg1">
+                          <a:lumMod val="75000"/>
+                        </a:schemeClr>
+                      </a:solidFill>
+                      <a:prstDash val="solid"/>
+                      <a:round/>
+                      <a:headEnd type="none" w="med" len="med"/>
+                      <a:tailEnd type="none" w="med" len="med"/>
+                    </a:lnT>
+                    <a:lnB w="6350" cap="flat" cmpd="sng" algn="ctr">
+                      <a:solidFill>
+                        <a:schemeClr val="bg1">
+                          <a:lumMod val="75000"/>
+                        </a:schemeClr>
+                      </a:solidFill>
+                      <a:prstDash val="solid"/>
+                      <a:round/>
+                      <a:headEnd type="none" w="med" len="med"/>
+                      <a:tailEnd type="none" w="med" len="med"/>
+                    </a:lnB>
+                    <a:noFill/>
+                  </a:tcPr>
+                </a:tc>
+              </a:tr>
+              <a:tr h="221161">
+                <a:tc>
+                  <a:txBody>
+                    <a:bodyPr/>
+                    <a:lstStyle/>
+                    <a:p>
+                      <a:pPr algn="ctr" latinLnBrk="1">
+                        <a:lnSpc>
+                          <a:spcPts val="1200"/>
+                        </a:lnSpc>
+                      </a:pPr>
+                      <a:r>
+                        <a:rPr lang="en-US" sz="700" b="0" dirty="0" smtClean="0">
+                          <a:solidFill>
+                            <a:schemeClr val="tx1">
+                              <a:lumMod val="75000"/>
+                              <a:lumOff val="25000"/>
+                            </a:schemeClr>
+                          </a:solidFill>
+                          <a:latin typeface="돋움"/>
+                          <a:ea typeface="돋움"/>
+                        </a:rPr>
+                        <a:t>06</a:t>
+                      </a:r>
+                      <a:endParaRPr sz="700" b="0" dirty="0">
+                        <a:solidFill>
+                          <a:schemeClr val="tx1">
+                            <a:lumMod val="75000"/>
+                            <a:lumOff val="25000"/>
+                          </a:schemeClr>
+                        </a:solidFill>
+                        <a:latin typeface="돋움"/>
+                        <a:ea typeface="돋움"/>
+                      </a:endParaRPr>
+                    </a:p>
+                  </a:txBody>
+                  <a:tcPr marL="60952" marR="77410" marT="0" marB="41468" anchor="ctr">
+                    <a:lnL w="12700" cap="flat">
+                      <a:noFill/>
+                      <a:prstDash val="solid"/>
+                      <a:round/>
+                      <a:headEnd type="none"/>
+                      <a:tailEnd type="none"/>
+                    </a:lnL>
+                    <a:lnR w="6350" cap="flat" cmpd="sng" algn="ctr">
+                      <a:solidFill>
+                        <a:schemeClr val="bg1">
+                          <a:lumMod val="75000"/>
+                        </a:schemeClr>
+                      </a:solidFill>
+                      <a:prstDash val="solid"/>
+                      <a:round/>
+                      <a:headEnd type="none" w="med" len="med"/>
+                      <a:tailEnd type="none" w="med" len="med"/>
+                    </a:lnR>
+                    <a:lnT w="6350" cap="flat" cmpd="sng" algn="ctr">
+                      <a:solidFill>
+                        <a:schemeClr val="bg1">
+                          <a:lumMod val="75000"/>
+                        </a:schemeClr>
+                      </a:solidFill>
+                      <a:prstDash val="solid"/>
+                      <a:round/>
+                      <a:headEnd type="none" w="med" len="med"/>
+                      <a:tailEnd type="none" w="med" len="med"/>
+                    </a:lnT>
+                    <a:lnB w="6350" cap="flat" cmpd="sng" algn="ctr">
+                      <a:solidFill>
+                        <a:schemeClr val="bg1">
+                          <a:lumMod val="75000"/>
+                        </a:schemeClr>
+                      </a:solidFill>
+                      <a:prstDash val="solid"/>
+                      <a:round/>
+                      <a:headEnd type="none" w="med" len="med"/>
+                      <a:tailEnd type="none" w="med" len="med"/>
+                    </a:lnB>
+                    <a:noFill/>
+                  </a:tcPr>
+                </a:tc>
+                <a:tc>
+                  <a:txBody>
+                    <a:bodyPr/>
+                    <a:lstStyle/>
+                    <a:p>
+                      <a:pPr marL="0" indent="0" latinLnBrk="1">
+                        <a:lnSpc>
+                          <a:spcPts val="1200"/>
+                        </a:lnSpc>
+                        <a:buNone/>
+                      </a:pPr>
+                      <a:r>
+                        <a:rPr lang="ko-KR" altLang="en-US" sz="700" b="0" baseline="0" dirty="0" smtClean="0">
+                          <a:solidFill>
+                            <a:schemeClr val="tx1">
+                              <a:lumMod val="75000"/>
+                              <a:lumOff val="25000"/>
+                            </a:schemeClr>
+                          </a:solidFill>
+                          <a:latin typeface="돋움"/>
+                          <a:ea typeface="돋움"/>
+                        </a:rPr>
+                        <a:t>설정된 위치 반경</a:t>
+                      </a:r>
+                      <a:endParaRPr sz="700" b="0" baseline="0" dirty="0">
+                        <a:solidFill>
+                          <a:schemeClr val="tx1">
+                            <a:lumMod val="75000"/>
+                            <a:lumOff val="25000"/>
+                          </a:schemeClr>
+                        </a:solidFill>
+                        <a:latin typeface="돋움"/>
+                        <a:ea typeface="돋움"/>
+                      </a:endParaRPr>
+                    </a:p>
+                  </a:txBody>
+                  <a:tcPr marL="77410" marR="77410" marT="41468" marB="41468" anchor="ctr">
+                    <a:lnL w="6350" cap="flat" cmpd="sng" algn="ctr">
+                      <a:solidFill>
+                        <a:schemeClr val="bg1">
+                          <a:lumMod val="75000"/>
+                        </a:schemeClr>
+                      </a:solidFill>
+                      <a:prstDash val="solid"/>
+                      <a:round/>
+                      <a:headEnd type="none" w="med" len="med"/>
+                      <a:tailEnd type="none" w="med" len="med"/>
+                    </a:lnL>
+                    <a:lnR w="12700" cap="flat">
+                      <a:noFill/>
+                      <a:prstDash val="solid"/>
+                      <a:round/>
+                      <a:headEnd type="none"/>
+                      <a:tailEnd type="none"/>
+                    </a:lnR>
+                    <a:lnT w="6350" cap="flat" cmpd="sng" algn="ctr">
+                      <a:solidFill>
+                        <a:schemeClr val="bg1">
+                          <a:lumMod val="75000"/>
+                        </a:schemeClr>
+                      </a:solidFill>
+                      <a:prstDash val="solid"/>
+                      <a:round/>
+                      <a:headEnd type="none" w="med" len="med"/>
+                      <a:tailEnd type="none" w="med" len="med"/>
+                    </a:lnT>
+                    <a:lnB w="6350" cap="flat" cmpd="sng" algn="ctr">
+                      <a:solidFill>
+                        <a:schemeClr val="bg1">
+                          <a:lumMod val="75000"/>
+                        </a:schemeClr>
+                      </a:solidFill>
+                      <a:prstDash val="solid"/>
+                      <a:round/>
+                      <a:headEnd type="none" w="med" len="med"/>
+                      <a:tailEnd type="none" w="med" len="med"/>
+                    </a:lnB>
+                    <a:noFill/>
+                  </a:tcPr>
+                </a:tc>
+              </a:tr>
+              <a:tr h="221161">
+                <a:tc>
+                  <a:txBody>
+                    <a:bodyPr/>
+                    <a:lstStyle/>
+                    <a:p>
+                      <a:pPr algn="ctr" latinLnBrk="1">
+                        <a:lnSpc>
+                          <a:spcPts val="1200"/>
+                        </a:lnSpc>
+                      </a:pPr>
+                      <a:r>
+                        <a:rPr lang="en-US" sz="700" b="0" dirty="0" smtClean="0">
+                          <a:solidFill>
+                            <a:schemeClr val="tx1">
+                              <a:lumMod val="75000"/>
+                              <a:lumOff val="25000"/>
+                            </a:schemeClr>
+                          </a:solidFill>
+                          <a:latin typeface="돋움"/>
+                          <a:ea typeface="돋움"/>
+                        </a:rPr>
+                        <a:t>07</a:t>
+                      </a:r>
+                      <a:endParaRPr sz="700" b="0" dirty="0">
+                        <a:solidFill>
+                          <a:schemeClr val="tx1">
+                            <a:lumMod val="75000"/>
+                            <a:lumOff val="25000"/>
+                          </a:schemeClr>
+                        </a:solidFill>
+                        <a:latin typeface="돋움"/>
+                        <a:ea typeface="돋움"/>
+                      </a:endParaRPr>
+                    </a:p>
+                  </a:txBody>
+                  <a:tcPr marL="60952" marR="77410" marT="0" marB="41468" anchor="ctr">
+                    <a:lnL w="12700" cap="flat">
+                      <a:noFill/>
+                      <a:prstDash val="solid"/>
+                      <a:round/>
+                      <a:headEnd type="none"/>
+                      <a:tailEnd type="none"/>
+                    </a:lnL>
+                    <a:lnR w="6350" cap="flat" cmpd="sng" algn="ctr">
+                      <a:solidFill>
+                        <a:schemeClr val="bg1">
+                          <a:lumMod val="75000"/>
+                        </a:schemeClr>
+                      </a:solidFill>
+                      <a:prstDash val="solid"/>
+                      <a:round/>
+                      <a:headEnd type="none" w="med" len="med"/>
+                      <a:tailEnd type="none" w="med" len="med"/>
+                    </a:lnR>
+                    <a:lnT w="6350" cap="flat" cmpd="sng" algn="ctr">
+                      <a:solidFill>
+                        <a:schemeClr val="bg1">
+                          <a:lumMod val="75000"/>
+                        </a:schemeClr>
+                      </a:solidFill>
+                      <a:prstDash val="solid"/>
+                      <a:round/>
+                      <a:headEnd type="none" w="med" len="med"/>
+                      <a:tailEnd type="none" w="med" len="med"/>
+                    </a:lnT>
+                    <a:lnB w="6350" cap="flat" cmpd="sng" algn="ctr">
+                      <a:solidFill>
+                        <a:schemeClr val="bg1">
+                          <a:lumMod val="75000"/>
+                        </a:schemeClr>
+                      </a:solidFill>
+                      <a:prstDash val="solid"/>
+                      <a:round/>
+                      <a:headEnd type="none" w="med" len="med"/>
+                      <a:tailEnd type="none" w="med" len="med"/>
+                    </a:lnB>
+                    <a:noFill/>
+                  </a:tcPr>
+                </a:tc>
+                <a:tc>
+                  <a:txBody>
+                    <a:bodyPr/>
+                    <a:lstStyle/>
+                    <a:p>
+                      <a:pPr marL="0" indent="0" latinLnBrk="1">
+                        <a:lnSpc>
+                          <a:spcPts val="1200"/>
+                        </a:lnSpc>
+                        <a:buNone/>
+                      </a:pPr>
+                      <a:r>
+                        <a:rPr lang="ko-KR" altLang="en-US" sz="700" b="0" baseline="0" dirty="0" smtClean="0">
+                          <a:solidFill>
+                            <a:schemeClr val="tx1">
+                              <a:lumMod val="75000"/>
+                              <a:lumOff val="25000"/>
+                            </a:schemeClr>
+                          </a:solidFill>
+                          <a:latin typeface="돋움"/>
+                          <a:ea typeface="돋움"/>
+                        </a:rPr>
+                        <a:t>요약 정보</a:t>
+                      </a:r>
+                      <a:r>
+                        <a:rPr lang="en-US" altLang="ko-KR" sz="700" b="0" baseline="0" dirty="0" smtClean="0">
+                          <a:solidFill>
+                            <a:schemeClr val="tx1">
+                              <a:lumMod val="75000"/>
+                              <a:lumOff val="25000"/>
+                            </a:schemeClr>
+                          </a:solidFill>
+                          <a:latin typeface="돋움"/>
+                          <a:ea typeface="돋움"/>
+                        </a:rPr>
+                        <a:t>(INFORM_01)</a:t>
+                      </a:r>
+                      <a:endParaRPr sz="700" b="0" baseline="0" dirty="0">
+                        <a:solidFill>
+                          <a:schemeClr val="tx1">
+                            <a:lumMod val="75000"/>
+                            <a:lumOff val="25000"/>
+                          </a:schemeClr>
+                        </a:solidFill>
+                        <a:latin typeface="돋움"/>
+                        <a:ea typeface="돋움"/>
+                      </a:endParaRPr>
+                    </a:p>
+                  </a:txBody>
+                  <a:tcPr marL="77410" marR="77410" marT="41468" marB="41468" anchor="ctr">
+                    <a:lnL w="6350" cap="flat" cmpd="sng" algn="ctr">
+                      <a:solidFill>
+                        <a:schemeClr val="bg1">
+                          <a:lumMod val="75000"/>
+                        </a:schemeClr>
+                      </a:solidFill>
+                      <a:prstDash val="solid"/>
+                      <a:round/>
+                      <a:headEnd type="none" w="med" len="med"/>
+                      <a:tailEnd type="none" w="med" len="med"/>
+                    </a:lnL>
+                    <a:lnR w="12700" cap="flat">
+                      <a:noFill/>
+                      <a:prstDash val="solid"/>
+                      <a:round/>
+                      <a:headEnd type="none"/>
+                      <a:tailEnd type="none"/>
+                    </a:lnR>
+                    <a:lnT w="6350" cap="flat" cmpd="sng" algn="ctr">
+                      <a:solidFill>
+                        <a:schemeClr val="bg1">
+                          <a:lumMod val="75000"/>
+                        </a:schemeClr>
+                      </a:solidFill>
+                      <a:prstDash val="solid"/>
+                      <a:round/>
+                      <a:headEnd type="none" w="med" len="med"/>
+                      <a:tailEnd type="none" w="med" len="med"/>
+                    </a:lnT>
+                    <a:lnB w="6350" cap="flat" cmpd="sng" algn="ctr">
+                      <a:solidFill>
+                        <a:schemeClr val="bg1">
+                          <a:lumMod val="75000"/>
+                        </a:schemeClr>
+                      </a:solidFill>
+                      <a:prstDash val="solid"/>
+                      <a:round/>
+                      <a:headEnd type="none" w="med" len="med"/>
+                      <a:tailEnd type="none" w="med" len="med"/>
+                    </a:lnB>
+                    <a:noFill/>
+                  </a:tcPr>
+                </a:tc>
+              </a:tr>
+              <a:tr h="359386">
+                <a:tc>
+                  <a:txBody>
+                    <a:bodyPr/>
+                    <a:lstStyle/>
+                    <a:p>
+                      <a:pPr algn="ctr" latinLnBrk="1">
+                        <a:lnSpc>
+                          <a:spcPts val="1200"/>
+                        </a:lnSpc>
+                      </a:pPr>
+                      <a:r>
+                        <a:rPr lang="en-US" sz="700" b="0" dirty="0" smtClean="0">
+                          <a:solidFill>
+                            <a:schemeClr val="tx1">
+                              <a:lumMod val="75000"/>
+                              <a:lumOff val="25000"/>
+                            </a:schemeClr>
+                          </a:solidFill>
+                          <a:latin typeface="돋움"/>
+                          <a:ea typeface="돋움"/>
+                        </a:rPr>
+                        <a:t>08</a:t>
+                      </a:r>
+                      <a:endParaRPr sz="700" b="0" dirty="0">
+                        <a:solidFill>
+                          <a:schemeClr val="tx1">
+                            <a:lumMod val="75000"/>
+                            <a:lumOff val="25000"/>
+                          </a:schemeClr>
+                        </a:solidFill>
+                        <a:latin typeface="돋움"/>
+                        <a:ea typeface="돋움"/>
+                      </a:endParaRPr>
+                    </a:p>
+                  </a:txBody>
+                  <a:tcPr marL="60952" marR="77410" marT="0" marB="41468" anchor="ctr">
+                    <a:lnL w="12700" cap="flat">
+                      <a:noFill/>
+                      <a:prstDash val="solid"/>
+                      <a:round/>
+                      <a:headEnd type="none"/>
+                      <a:tailEnd type="none"/>
+                    </a:lnL>
+                    <a:lnR w="6350" cap="flat" cmpd="sng" algn="ctr">
+                      <a:solidFill>
+                        <a:schemeClr val="bg1">
+                          <a:lumMod val="75000"/>
+                        </a:schemeClr>
+                      </a:solidFill>
+                      <a:prstDash val="solid"/>
+                      <a:round/>
+                      <a:headEnd type="none" w="med" len="med"/>
+                      <a:tailEnd type="none" w="med" len="med"/>
+                    </a:lnR>
+                    <a:lnT w="6350" cap="flat" cmpd="sng" algn="ctr">
+                      <a:solidFill>
+                        <a:schemeClr val="bg1">
+                          <a:lumMod val="75000"/>
+                        </a:schemeClr>
+                      </a:solidFill>
+                      <a:prstDash val="solid"/>
+                      <a:round/>
+                      <a:headEnd type="none" w="med" len="med"/>
+                      <a:tailEnd type="none" w="med" len="med"/>
+                    </a:lnT>
+                    <a:lnB w="6350" cap="flat" cmpd="sng" algn="ctr">
+                      <a:solidFill>
+                        <a:schemeClr val="bg1">
+                          <a:lumMod val="75000"/>
+                        </a:schemeClr>
+                      </a:solidFill>
+                      <a:prstDash val="solid"/>
+                      <a:round/>
+                      <a:headEnd type="none" w="med" len="med"/>
+                      <a:tailEnd type="none" w="med" len="med"/>
+                    </a:lnB>
+                    <a:noFill/>
+                  </a:tcPr>
+                </a:tc>
+                <a:tc>
+                  <a:txBody>
+                    <a:bodyPr/>
+                    <a:lstStyle/>
+                    <a:p>
+                      <a:pPr marL="0" indent="0" latinLnBrk="1">
+                        <a:lnSpc>
+                          <a:spcPts val="1200"/>
+                        </a:lnSpc>
+                        <a:buNone/>
+                      </a:pPr>
+                      <a:r>
+                        <a:rPr lang="ko-KR" altLang="en-US" sz="700" b="0" baseline="0" dirty="0" smtClean="0">
+                          <a:solidFill>
+                            <a:schemeClr val="tx1">
+                              <a:lumMod val="75000"/>
+                              <a:lumOff val="25000"/>
+                            </a:schemeClr>
+                          </a:solidFill>
+                          <a:latin typeface="돋움"/>
+                          <a:ea typeface="돋움"/>
+                        </a:rPr>
+                        <a:t>터치 시 현재 범위 가게 리스트로 이동</a:t>
+                      </a:r>
+                      <a:endParaRPr lang="en-US" altLang="ko-KR" sz="700" b="0" baseline="0" dirty="0" smtClean="0">
+                        <a:solidFill>
+                          <a:schemeClr val="tx1">
+                            <a:lumMod val="75000"/>
+                            <a:lumOff val="25000"/>
+                          </a:schemeClr>
+                        </a:solidFill>
+                        <a:latin typeface="돋움"/>
+                        <a:ea typeface="돋움"/>
+                      </a:endParaRPr>
+                    </a:p>
+                    <a:p>
+                      <a:pPr marL="0" indent="0" latinLnBrk="1">
+                        <a:lnSpc>
+                          <a:spcPts val="1200"/>
+                        </a:lnSpc>
+                        <a:buNone/>
+                      </a:pPr>
+                      <a:r>
+                        <a:rPr lang="en-US" sz="700" b="0" baseline="0" dirty="0" smtClean="0">
+                          <a:solidFill>
+                            <a:schemeClr val="tx1">
+                              <a:lumMod val="75000"/>
+                              <a:lumOff val="25000"/>
+                            </a:schemeClr>
+                          </a:solidFill>
+                          <a:latin typeface="돋움"/>
+                          <a:ea typeface="돋움"/>
+                        </a:rPr>
+                        <a:t>MAP_01_01</a:t>
+                      </a:r>
+                      <a:r>
+                        <a:rPr lang="ko-KR" altLang="en-US" sz="700" b="0" baseline="0" dirty="0" smtClean="0">
+                          <a:solidFill>
+                            <a:schemeClr val="tx1">
+                              <a:lumMod val="75000"/>
+                              <a:lumOff val="25000"/>
+                            </a:schemeClr>
+                          </a:solidFill>
+                          <a:latin typeface="돋움"/>
+                          <a:ea typeface="돋움"/>
+                        </a:rPr>
+                        <a:t>로 이동</a:t>
+                      </a:r>
+                      <a:endParaRPr sz="700" b="0" baseline="0" dirty="0">
+                        <a:solidFill>
+                          <a:schemeClr val="tx1">
+                            <a:lumMod val="75000"/>
+                            <a:lumOff val="25000"/>
+                          </a:schemeClr>
+                        </a:solidFill>
+                        <a:latin typeface="돋움"/>
+                        <a:ea typeface="돋움"/>
+                      </a:endParaRPr>
+                    </a:p>
+                  </a:txBody>
+                  <a:tcPr marL="77410" marR="77410" marT="41468" marB="41468" anchor="ctr">
+                    <a:lnL w="6350" cap="flat" cmpd="sng" algn="ctr">
+                      <a:solidFill>
+                        <a:schemeClr val="bg1">
+                          <a:lumMod val="75000"/>
+                        </a:schemeClr>
+                      </a:solidFill>
+                      <a:prstDash val="solid"/>
+                      <a:round/>
+                      <a:headEnd type="none" w="med" len="med"/>
+                      <a:tailEnd type="none" w="med" len="med"/>
+                    </a:lnL>
+                    <a:lnR w="12700" cap="flat">
+                      <a:noFill/>
+                      <a:prstDash val="solid"/>
+                      <a:round/>
+                      <a:headEnd type="none"/>
+                      <a:tailEnd type="none"/>
+                    </a:lnR>
+                    <a:lnT w="6350" cap="flat" cmpd="sng" algn="ctr">
+                      <a:solidFill>
+                        <a:schemeClr val="bg1">
+                          <a:lumMod val="75000"/>
+                        </a:schemeClr>
+                      </a:solidFill>
+                      <a:prstDash val="solid"/>
+                      <a:round/>
+                      <a:headEnd type="none" w="med" len="med"/>
+                      <a:tailEnd type="none" w="med" len="med"/>
+                    </a:lnT>
+                    <a:lnB w="6350" cap="flat" cmpd="sng" algn="ctr">
+                      <a:solidFill>
+                        <a:schemeClr val="bg1">
+                          <a:lumMod val="75000"/>
+                        </a:schemeClr>
+                      </a:solidFill>
+                      <a:prstDash val="solid"/>
+                      <a:round/>
+                      <a:headEnd type="none" w="med" len="med"/>
+                      <a:tailEnd type="none" w="med" len="med"/>
+                    </a:lnB>
+                    <a:noFill/>
+                  </a:tcPr>
+                </a:tc>
+              </a:tr>
+              <a:tr h="359386">
+                <a:tc>
+                  <a:txBody>
+                    <a:bodyPr/>
+                    <a:lstStyle/>
+                    <a:p>
+                      <a:pPr algn="ctr" latinLnBrk="1">
+                        <a:lnSpc>
+                          <a:spcPts val="1200"/>
+                        </a:lnSpc>
+                      </a:pPr>
+                      <a:r>
+                        <a:rPr lang="en-US" sz="700" b="0" dirty="0" smtClean="0">
+                          <a:solidFill>
+                            <a:schemeClr val="tx1">
+                              <a:lumMod val="75000"/>
+                              <a:lumOff val="25000"/>
+                            </a:schemeClr>
+                          </a:solidFill>
+                          <a:latin typeface="돋움"/>
+                          <a:ea typeface="돋움"/>
+                        </a:rPr>
+                        <a:t>09</a:t>
+                      </a:r>
+                      <a:endParaRPr sz="700" b="0" dirty="0">
+                        <a:solidFill>
+                          <a:schemeClr val="tx1">
+                            <a:lumMod val="75000"/>
+                            <a:lumOff val="25000"/>
+                          </a:schemeClr>
+                        </a:solidFill>
+                        <a:latin typeface="돋움"/>
+                        <a:ea typeface="돋움"/>
+                      </a:endParaRPr>
+                    </a:p>
+                  </a:txBody>
+                  <a:tcPr marL="60952" marR="77410" marT="0" marB="41468" anchor="ctr">
+                    <a:lnL w="12700" cap="flat">
+                      <a:noFill/>
+                      <a:prstDash val="solid"/>
+                      <a:round/>
+                      <a:headEnd type="none"/>
+                      <a:tailEnd type="none"/>
+                    </a:lnL>
+                    <a:lnR w="6350" cap="flat" cmpd="sng" algn="ctr">
+                      <a:solidFill>
+                        <a:schemeClr val="bg1">
+                          <a:lumMod val="75000"/>
+                        </a:schemeClr>
+                      </a:solidFill>
+                      <a:prstDash val="solid"/>
+                      <a:round/>
+                      <a:headEnd type="none" w="med" len="med"/>
+                      <a:tailEnd type="none" w="med" len="med"/>
+                    </a:lnR>
+                    <a:lnT w="6350" cap="flat" cmpd="sng" algn="ctr">
+                      <a:solidFill>
+                        <a:schemeClr val="bg1">
+                          <a:lumMod val="75000"/>
+                        </a:schemeClr>
+                      </a:solidFill>
+                      <a:prstDash val="solid"/>
+                      <a:round/>
+                      <a:headEnd type="none" w="med" len="med"/>
+                      <a:tailEnd type="none" w="med" len="med"/>
+                    </a:lnT>
+                    <a:lnB w="6350" cap="flat" cmpd="sng" algn="ctr">
+                      <a:solidFill>
+                        <a:schemeClr val="bg1">
+                          <a:lumMod val="75000"/>
+                        </a:schemeClr>
+                      </a:solidFill>
+                      <a:prstDash val="solid"/>
+                      <a:round/>
+                      <a:headEnd type="none" w="med" len="med"/>
+                      <a:tailEnd type="none" w="med" len="med"/>
+                    </a:lnB>
+                    <a:noFill/>
+                  </a:tcPr>
+                </a:tc>
+                <a:tc>
+                  <a:txBody>
+                    <a:bodyPr/>
+                    <a:lstStyle/>
+                    <a:p>
+                      <a:pPr marL="0" indent="0" latinLnBrk="1">
+                        <a:lnSpc>
+                          <a:spcPts val="1200"/>
+                        </a:lnSpc>
+                        <a:buNone/>
+                      </a:pPr>
+                      <a:r>
+                        <a:rPr lang="ko-KR" altLang="en-US" sz="700" b="0" baseline="0" dirty="0" smtClean="0">
+                          <a:solidFill>
+                            <a:schemeClr val="tx1">
+                              <a:lumMod val="75000"/>
+                              <a:lumOff val="25000"/>
+                            </a:schemeClr>
+                          </a:solidFill>
+                          <a:latin typeface="돋움"/>
+                          <a:ea typeface="돋움"/>
+                        </a:rPr>
+                        <a:t>터치 시 필터로 이동</a:t>
+                      </a:r>
+                      <a:endParaRPr lang="en-US" altLang="ko-KR" sz="700" b="0" baseline="0" dirty="0" smtClean="0">
+                        <a:solidFill>
+                          <a:schemeClr val="tx1">
+                            <a:lumMod val="75000"/>
+                            <a:lumOff val="25000"/>
+                          </a:schemeClr>
+                        </a:solidFill>
+                        <a:latin typeface="돋움"/>
+                        <a:ea typeface="돋움"/>
+                      </a:endParaRPr>
+                    </a:p>
+                    <a:p>
+                      <a:pPr marL="0" indent="0" latinLnBrk="1">
+                        <a:lnSpc>
+                          <a:spcPts val="1200"/>
+                        </a:lnSpc>
+                        <a:buNone/>
+                      </a:pPr>
+                      <a:r>
+                        <a:rPr lang="en-US" sz="700" b="0" baseline="0" dirty="0" smtClean="0">
+                          <a:solidFill>
+                            <a:schemeClr val="tx1">
+                              <a:lumMod val="75000"/>
+                              <a:lumOff val="25000"/>
+                            </a:schemeClr>
+                          </a:solidFill>
+                          <a:latin typeface="돋움"/>
+                          <a:ea typeface="돋움"/>
+                        </a:rPr>
+                        <a:t>MAP_01_02</a:t>
+                      </a:r>
+                      <a:r>
+                        <a:rPr lang="ko-KR" altLang="en-US" sz="700" b="0" baseline="0" dirty="0" smtClean="0">
+                          <a:solidFill>
+                            <a:schemeClr val="tx1">
+                              <a:lumMod val="75000"/>
+                              <a:lumOff val="25000"/>
+                            </a:schemeClr>
+                          </a:solidFill>
+                          <a:latin typeface="돋움"/>
+                          <a:ea typeface="돋움"/>
+                        </a:rPr>
+                        <a:t>로 이동</a:t>
+                      </a:r>
+                      <a:endParaRPr sz="700" b="0" baseline="0" dirty="0">
+                        <a:solidFill>
+                          <a:schemeClr val="tx1">
+                            <a:lumMod val="75000"/>
+                            <a:lumOff val="25000"/>
+                          </a:schemeClr>
+                        </a:solidFill>
+                        <a:latin typeface="돋움"/>
+                        <a:ea typeface="돋움"/>
+                      </a:endParaRPr>
+                    </a:p>
+                  </a:txBody>
+                  <a:tcPr marL="77410" marR="77410" marT="41468" marB="41468" anchor="ctr">
+                    <a:lnL w="6350" cap="flat" cmpd="sng" algn="ctr">
+                      <a:solidFill>
+                        <a:schemeClr val="bg1">
+                          <a:lumMod val="75000"/>
+                        </a:schemeClr>
+                      </a:solidFill>
+                      <a:prstDash val="solid"/>
+                      <a:round/>
+                      <a:headEnd type="none" w="med" len="med"/>
+                      <a:tailEnd type="none" w="med" len="med"/>
+                    </a:lnL>
+                    <a:lnR w="12700" cap="flat">
+                      <a:noFill/>
+                      <a:prstDash val="solid"/>
+                      <a:round/>
+                      <a:headEnd type="none"/>
+                      <a:tailEnd type="none"/>
+                    </a:lnR>
+                    <a:lnT w="6350" cap="flat" cmpd="sng" algn="ctr">
+                      <a:solidFill>
+                        <a:schemeClr val="bg1">
+                          <a:lumMod val="75000"/>
+                        </a:schemeClr>
+                      </a:solidFill>
+                      <a:prstDash val="solid"/>
+                      <a:round/>
+                      <a:headEnd type="none" w="med" len="med"/>
+                      <a:tailEnd type="none" w="med" len="med"/>
+                    </a:lnT>
+                    <a:lnB w="6350" cap="flat" cmpd="sng" algn="ctr">
+                      <a:solidFill>
+                        <a:schemeClr val="bg1">
+                          <a:lumMod val="75000"/>
+                        </a:schemeClr>
+                      </a:solidFill>
+                      <a:prstDash val="solid"/>
+                      <a:round/>
+                      <a:headEnd type="none" w="med" len="med"/>
+                      <a:tailEnd type="none" w="med" len="med"/>
+                    </a:lnB>
+                    <a:noFill/>
+                  </a:tcPr>
+                </a:tc>
+              </a:tr>
+              <a:tr h="497612">
+                <a:tc>
+                  <a:txBody>
+                    <a:bodyPr/>
+                    <a:lstStyle/>
+                    <a:p>
+                      <a:pPr algn="ctr" latinLnBrk="1">
+                        <a:lnSpc>
+                          <a:spcPts val="1200"/>
+                        </a:lnSpc>
+                      </a:pPr>
+                      <a:r>
+                        <a:rPr lang="en-US" sz="700" b="0" dirty="0" smtClean="0">
+                          <a:solidFill>
+                            <a:schemeClr val="tx1">
+                              <a:lumMod val="75000"/>
+                              <a:lumOff val="25000"/>
+                            </a:schemeClr>
+                          </a:solidFill>
+                          <a:latin typeface="돋움"/>
+                          <a:ea typeface="돋움"/>
+                        </a:rPr>
+                        <a:t>10</a:t>
+                      </a:r>
+                      <a:endParaRPr sz="700" b="0" dirty="0">
+                        <a:solidFill>
+                          <a:schemeClr val="tx1">
+                            <a:lumMod val="75000"/>
+                            <a:lumOff val="25000"/>
+                          </a:schemeClr>
+                        </a:solidFill>
+                        <a:latin typeface="돋움"/>
+                        <a:ea typeface="돋움"/>
+                      </a:endParaRPr>
+                    </a:p>
+                  </a:txBody>
+                  <a:tcPr marL="60952" marR="77410" marT="0" marB="41468" anchor="ctr">
+                    <a:lnL w="12700" cap="flat">
+                      <a:noFill/>
+                      <a:prstDash val="solid"/>
+                      <a:round/>
+                      <a:headEnd type="none"/>
+                      <a:tailEnd type="none"/>
+                    </a:lnL>
+                    <a:lnR w="6350" cap="flat" cmpd="sng" algn="ctr">
+                      <a:solidFill>
+                        <a:schemeClr val="bg1">
+                          <a:lumMod val="75000"/>
+                        </a:schemeClr>
+                      </a:solidFill>
+                      <a:prstDash val="solid"/>
+                      <a:round/>
+                      <a:headEnd type="none" w="med" len="med"/>
+                      <a:tailEnd type="none" w="med" len="med"/>
+                    </a:lnR>
+                    <a:lnT w="6350" cap="flat" cmpd="sng" algn="ctr">
+                      <a:solidFill>
+                        <a:schemeClr val="bg1">
+                          <a:lumMod val="75000"/>
+                        </a:schemeClr>
+                      </a:solidFill>
+                      <a:prstDash val="solid"/>
+                      <a:round/>
+                      <a:headEnd type="none" w="med" len="med"/>
+                      <a:tailEnd type="none" w="med" len="med"/>
+                    </a:lnT>
+                    <a:lnB w="6350" cap="flat" cmpd="sng" algn="ctr">
+                      <a:solidFill>
+                        <a:schemeClr val="bg1">
+                          <a:lumMod val="75000"/>
+                        </a:schemeClr>
+                      </a:solidFill>
+                      <a:prstDash val="solid"/>
+                      <a:round/>
+                      <a:headEnd type="none" w="med" len="med"/>
+                      <a:tailEnd type="none" w="med" len="med"/>
+                    </a:lnB>
+                    <a:noFill/>
+                  </a:tcPr>
+                </a:tc>
+                <a:tc>
+                  <a:txBody>
+                    <a:bodyPr/>
+                    <a:lstStyle/>
+                    <a:p>
+                      <a:pPr marL="0" indent="0" latinLnBrk="1">
+                        <a:lnSpc>
+                          <a:spcPts val="1200"/>
+                        </a:lnSpc>
+                        <a:buNone/>
+                      </a:pPr>
+                      <a:r>
+                        <a:rPr lang="ko-KR" altLang="en-US" sz="700" b="0" baseline="0" dirty="0" smtClean="0">
+                          <a:solidFill>
+                            <a:schemeClr val="tx1">
+                              <a:lumMod val="75000"/>
+                              <a:lumOff val="25000"/>
+                            </a:schemeClr>
+                          </a:solidFill>
+                          <a:latin typeface="돋움"/>
+                          <a:ea typeface="돋움"/>
+                        </a:rPr>
+                        <a:t>내 위치 재설정</a:t>
+                      </a:r>
+                      <a:endParaRPr lang="en-US" altLang="ko-KR" sz="700" b="0" baseline="0" dirty="0" smtClean="0">
+                        <a:solidFill>
+                          <a:schemeClr val="tx1">
+                            <a:lumMod val="75000"/>
+                            <a:lumOff val="25000"/>
+                          </a:schemeClr>
+                        </a:solidFill>
+                        <a:latin typeface="돋움"/>
+                        <a:ea typeface="돋움"/>
+                      </a:endParaRPr>
+                    </a:p>
+                    <a:p>
+                      <a:pPr marL="0" indent="0" latinLnBrk="1">
+                        <a:lnSpc>
+                          <a:spcPts val="1200"/>
+                        </a:lnSpc>
+                        <a:buNone/>
+                      </a:pPr>
+                      <a:r>
+                        <a:rPr lang="en-US" sz="700" b="0" baseline="0" dirty="0" smtClean="0">
+                          <a:solidFill>
+                            <a:schemeClr val="tx1">
+                              <a:lumMod val="75000"/>
+                              <a:lumOff val="25000"/>
+                            </a:schemeClr>
+                          </a:solidFill>
+                          <a:latin typeface="돋움"/>
+                          <a:ea typeface="돋움"/>
+                        </a:rPr>
+                        <a:t>- </a:t>
+                      </a:r>
+                      <a:r>
+                        <a:rPr lang="ko-KR" altLang="en-US" sz="700" b="0" baseline="0" dirty="0" smtClean="0">
+                          <a:solidFill>
+                            <a:schemeClr val="tx1">
+                              <a:lumMod val="75000"/>
+                              <a:lumOff val="25000"/>
+                            </a:schemeClr>
+                          </a:solidFill>
+                          <a:latin typeface="돋움"/>
+                          <a:ea typeface="돋움"/>
+                        </a:rPr>
+                        <a:t>다른 장소로 이동 후 내 </a:t>
+                      </a:r>
+                      <a:r>
+                        <a:rPr lang="en-US" altLang="ko-KR" sz="700" b="0" baseline="0" dirty="0" smtClean="0">
+                          <a:solidFill>
+                            <a:schemeClr val="tx1">
+                              <a:lumMod val="75000"/>
+                              <a:lumOff val="25000"/>
+                            </a:schemeClr>
+                          </a:solidFill>
+                          <a:latin typeface="돋움"/>
+                          <a:ea typeface="돋움"/>
+                        </a:rPr>
+                        <a:t>GPS</a:t>
+                      </a:r>
+                      <a:r>
+                        <a:rPr lang="ko-KR" altLang="en-US" sz="700" b="0" baseline="0" dirty="0" smtClean="0">
+                          <a:solidFill>
+                            <a:schemeClr val="tx1">
+                              <a:lumMod val="75000"/>
+                              <a:lumOff val="25000"/>
+                            </a:schemeClr>
+                          </a:solidFill>
+                          <a:latin typeface="돋움"/>
+                          <a:ea typeface="돋움"/>
+                        </a:rPr>
+                        <a:t>로 돌아오고 싶을 때 사용</a:t>
+                      </a:r>
+                      <a:endParaRPr sz="700" b="0" baseline="0" dirty="0">
+                        <a:solidFill>
+                          <a:schemeClr val="tx1">
+                            <a:lumMod val="75000"/>
+                            <a:lumOff val="25000"/>
+                          </a:schemeClr>
+                        </a:solidFill>
+                        <a:latin typeface="돋움"/>
+                        <a:ea typeface="돋움"/>
+                      </a:endParaRPr>
+                    </a:p>
+                  </a:txBody>
+                  <a:tcPr marL="77410" marR="77410" marT="41468" marB="41468" anchor="ctr">
+                    <a:lnL w="6350" cap="flat" cmpd="sng" algn="ctr">
+                      <a:solidFill>
+                        <a:schemeClr val="bg1">
+                          <a:lumMod val="75000"/>
+                        </a:schemeClr>
+                      </a:solidFill>
+                      <a:prstDash val="solid"/>
+                      <a:round/>
+                      <a:headEnd type="none" w="med" len="med"/>
+                      <a:tailEnd type="none" w="med" len="med"/>
+                    </a:lnL>
+                    <a:lnR w="12700" cap="flat">
+                      <a:noFill/>
+                      <a:prstDash val="solid"/>
+                      <a:round/>
+                      <a:headEnd type="none"/>
+                      <a:tailEnd type="none"/>
+                    </a:lnR>
+                    <a:lnT w="6350" cap="flat" cmpd="sng" algn="ctr">
+                      <a:solidFill>
+                        <a:schemeClr val="bg1">
+                          <a:lumMod val="75000"/>
+                        </a:schemeClr>
+                      </a:solidFill>
+                      <a:prstDash val="solid"/>
+                      <a:round/>
+                      <a:headEnd type="none" w="med" len="med"/>
+                      <a:tailEnd type="none" w="med" len="med"/>
+                    </a:lnT>
+                    <a:lnB w="6350" cap="flat" cmpd="sng" algn="ctr">
+                      <a:solidFill>
+                        <a:schemeClr val="bg1">
+                          <a:lumMod val="75000"/>
+                        </a:schemeClr>
+                      </a:solidFill>
+                      <a:prstDash val="solid"/>
+                      <a:round/>
+                      <a:headEnd type="none" w="med" len="med"/>
+                      <a:tailEnd type="none" w="med" len="med"/>
+                    </a:lnB>
+                    <a:noFill/>
+                  </a:tcPr>
+                </a:tc>
+              </a:tr>
+              <a:tr h="221161">
+                <a:tc>
+                  <a:txBody>
+                    <a:bodyPr/>
+                    <a:lstStyle/>
+                    <a:p>
+                      <a:pPr algn="ctr" latinLnBrk="1">
+                        <a:lnSpc>
+                          <a:spcPts val="1200"/>
+                        </a:lnSpc>
+                      </a:pPr>
+                      <a:endParaRPr sz="700" b="0" dirty="0">
+                        <a:solidFill>
+                          <a:schemeClr val="tx1">
+                            <a:lumMod val="75000"/>
+                            <a:lumOff val="25000"/>
+                          </a:schemeClr>
+                        </a:solidFill>
+                        <a:latin typeface="돋움"/>
+                        <a:ea typeface="돋움"/>
+                      </a:endParaRPr>
+                    </a:p>
+                  </a:txBody>
+                  <a:tcPr marL="60952" marR="77410" marT="0" marB="41468" anchor="ctr">
+                    <a:lnL w="12700" cap="flat">
+                      <a:noFill/>
+                      <a:prstDash val="solid"/>
+                      <a:round/>
+                      <a:headEnd type="none"/>
+                      <a:tailEnd type="none"/>
+                    </a:lnL>
+                    <a:lnR w="6350" cap="flat" cmpd="sng" algn="ctr">
+                      <a:solidFill>
+                        <a:schemeClr val="bg1">
+                          <a:lumMod val="75000"/>
+                        </a:schemeClr>
+                      </a:solidFill>
+                      <a:prstDash val="solid"/>
+                      <a:round/>
+                      <a:headEnd type="none" w="med" len="med"/>
+                      <a:tailEnd type="none" w="med" len="med"/>
+                    </a:lnR>
+                    <a:lnT w="6350" cap="flat" cmpd="sng" algn="ctr">
+                      <a:solidFill>
+                        <a:schemeClr val="bg1">
+                          <a:lumMod val="75000"/>
+                        </a:schemeClr>
+                      </a:solidFill>
+                      <a:prstDash val="solid"/>
+                      <a:round/>
+                      <a:headEnd type="none" w="med" len="med"/>
+                      <a:tailEnd type="none" w="med" len="med"/>
+                    </a:lnT>
+                    <a:lnB w="6350" cap="flat" cmpd="sng" algn="ctr">
+                      <a:solidFill>
+                        <a:schemeClr val="bg1">
+                          <a:lumMod val="75000"/>
+                        </a:schemeClr>
+                      </a:solidFill>
+                      <a:prstDash val="solid"/>
+                      <a:round/>
+                      <a:headEnd type="none" w="med" len="med"/>
+                      <a:tailEnd type="none" w="med" len="med"/>
+                    </a:lnB>
+                    <a:noFill/>
+                  </a:tcPr>
+                </a:tc>
+                <a:tc>
+                  <a:txBody>
+                    <a:bodyPr/>
+                    <a:lstStyle/>
+                    <a:p>
+                      <a:pPr marL="0" indent="0" latinLnBrk="1">
+                        <a:lnSpc>
+                          <a:spcPts val="1200"/>
+                        </a:lnSpc>
+                        <a:buNone/>
+                      </a:pPr>
+                      <a:endParaRPr sz="700" b="0" baseline="0" dirty="0">
+                        <a:solidFill>
+                          <a:schemeClr val="tx1">
+                            <a:lumMod val="75000"/>
+                            <a:lumOff val="25000"/>
+                          </a:schemeClr>
+                        </a:solidFill>
+                        <a:latin typeface="돋움"/>
+                        <a:ea typeface="돋움"/>
+                      </a:endParaRPr>
+                    </a:p>
+                  </a:txBody>
+                  <a:tcPr marL="77410" marR="77410" marT="41468" marB="41468" anchor="ctr">
+                    <a:lnL w="6350" cap="flat" cmpd="sng" algn="ctr">
+                      <a:solidFill>
+                        <a:schemeClr val="bg1">
+                          <a:lumMod val="75000"/>
+                        </a:schemeClr>
+                      </a:solidFill>
+                      <a:prstDash val="solid"/>
+                      <a:round/>
+                      <a:headEnd type="none" w="med" len="med"/>
+                      <a:tailEnd type="none" w="med" len="med"/>
+                    </a:lnL>
+                    <a:lnR w="12700" cap="flat">
+                      <a:noFill/>
+                      <a:prstDash val="solid"/>
+                      <a:round/>
+                      <a:headEnd type="none"/>
+                      <a:tailEnd type="none"/>
+                    </a:lnR>
+                    <a:lnT w="6350" cap="flat" cmpd="sng" algn="ctr">
+                      <a:solidFill>
+                        <a:schemeClr val="bg1">
+                          <a:lumMod val="75000"/>
+                        </a:schemeClr>
+                      </a:solidFill>
+                      <a:prstDash val="solid"/>
+                      <a:round/>
+                      <a:headEnd type="none" w="med" len="med"/>
+                      <a:tailEnd type="none" w="med" len="med"/>
+                    </a:lnT>
+                    <a:lnB w="6350" cap="flat" cmpd="sng" algn="ctr">
+                      <a:solidFill>
+                        <a:schemeClr val="bg1">
+                          <a:lumMod val="75000"/>
+                        </a:schemeClr>
+                      </a:solidFill>
+                      <a:prstDash val="solid"/>
+                      <a:round/>
+                      <a:headEnd type="none" w="med" len="med"/>
+                      <a:tailEnd type="none" w="med" len="med"/>
+                    </a:lnB>
+                    <a:noFill/>
+                  </a:tcPr>
+                </a:tc>
+              </a:tr>
+              <a:tr h="221161">
+                <a:tc>
+                  <a:txBody>
+                    <a:bodyPr/>
+                    <a:lstStyle/>
+                    <a:p>
+                      <a:pPr algn="ctr" latinLnBrk="1">
+                        <a:lnSpc>
+                          <a:spcPts val="1200"/>
+                        </a:lnSpc>
+                      </a:pPr>
+                      <a:endParaRPr sz="700" b="0" dirty="0">
+                        <a:solidFill>
+                          <a:schemeClr val="tx1">
+                            <a:lumMod val="75000"/>
+                            <a:lumOff val="25000"/>
+                          </a:schemeClr>
+                        </a:solidFill>
+                        <a:latin typeface="돋움"/>
+                        <a:ea typeface="돋움"/>
+                      </a:endParaRPr>
+                    </a:p>
+                  </a:txBody>
+                  <a:tcPr marL="60952" marR="77410" marT="0" marB="41468" anchor="ctr">
+                    <a:lnL w="12700" cap="flat">
+                      <a:noFill/>
+                      <a:prstDash val="solid"/>
+                      <a:round/>
+                      <a:headEnd type="none"/>
+                      <a:tailEnd type="none"/>
+                    </a:lnL>
+                    <a:lnR w="6350" cap="flat" cmpd="sng" algn="ctr">
+                      <a:solidFill>
+                        <a:schemeClr val="bg1">
+                          <a:lumMod val="75000"/>
+                        </a:schemeClr>
+                      </a:solidFill>
+                      <a:prstDash val="solid"/>
+                      <a:round/>
+                      <a:headEnd type="none" w="med" len="med"/>
+                      <a:tailEnd type="none" w="med" len="med"/>
+                    </a:lnR>
+                    <a:lnT w="6350" cap="flat" cmpd="sng" algn="ctr">
+                      <a:solidFill>
+                        <a:schemeClr val="bg1">
+                          <a:lumMod val="75000"/>
+                        </a:schemeClr>
+                      </a:solidFill>
+                      <a:prstDash val="solid"/>
+                      <a:round/>
+                      <a:headEnd type="none" w="med" len="med"/>
+                      <a:tailEnd type="none" w="med" len="med"/>
+                    </a:lnT>
+                    <a:lnB w="6350" cap="flat" cmpd="sng" algn="ctr">
+                      <a:solidFill>
+                        <a:schemeClr val="bg1">
+                          <a:lumMod val="75000"/>
+                        </a:schemeClr>
+                      </a:solidFill>
+                      <a:prstDash val="solid"/>
+                      <a:round/>
+                      <a:headEnd type="none" w="med" len="med"/>
+                      <a:tailEnd type="none" w="med" len="med"/>
+                    </a:lnB>
+                    <a:noFill/>
+                  </a:tcPr>
+                </a:tc>
+                <a:tc>
+                  <a:txBody>
+                    <a:bodyPr/>
+                    <a:lstStyle/>
+                    <a:p>
+                      <a:pPr marL="0" indent="0" latinLnBrk="1">
+                        <a:lnSpc>
+                          <a:spcPts val="1200"/>
+                        </a:lnSpc>
+                        <a:buNone/>
+                      </a:pPr>
+                      <a:endParaRPr sz="700" b="0" baseline="0" dirty="0">
+                        <a:solidFill>
+                          <a:schemeClr val="tx1">
+                            <a:lumMod val="75000"/>
+                            <a:lumOff val="25000"/>
+                          </a:schemeClr>
+                        </a:solidFill>
+                        <a:latin typeface="돋움"/>
+                        <a:ea typeface="돋움"/>
+                      </a:endParaRPr>
+                    </a:p>
+                  </a:txBody>
+                  <a:tcPr marL="77410" marR="77410" marT="41468" marB="41468" anchor="ctr">
+                    <a:lnL w="6350" cap="flat" cmpd="sng" algn="ctr">
+                      <a:solidFill>
+                        <a:schemeClr val="bg1">
+                          <a:lumMod val="75000"/>
+                        </a:schemeClr>
+                      </a:solidFill>
+                      <a:prstDash val="solid"/>
+                      <a:round/>
+                      <a:headEnd type="none" w="med" len="med"/>
+                      <a:tailEnd type="none" w="med" len="med"/>
+                    </a:lnL>
+                    <a:lnR w="12700" cap="flat">
+                      <a:noFill/>
+                      <a:prstDash val="solid"/>
+                      <a:round/>
+                      <a:headEnd type="none"/>
+                      <a:tailEnd type="none"/>
+                    </a:lnR>
+                    <a:lnT w="6350" cap="flat" cmpd="sng" algn="ctr">
+                      <a:solidFill>
+                        <a:schemeClr val="bg1">
+                          <a:lumMod val="75000"/>
+                        </a:schemeClr>
+                      </a:solidFill>
+                      <a:prstDash val="solid"/>
+                      <a:round/>
+                      <a:headEnd type="none" w="med" len="med"/>
+                      <a:tailEnd type="none" w="med" len="med"/>
+                    </a:lnT>
+                    <a:lnB w="6350" cap="flat" cmpd="sng" algn="ctr">
+                      <a:solidFill>
+                        <a:schemeClr val="bg1">
+                          <a:lumMod val="75000"/>
+                        </a:schemeClr>
+                      </a:solidFill>
+                      <a:prstDash val="solid"/>
+                      <a:round/>
+                      <a:headEnd type="none" w="med" len="med"/>
+                      <a:tailEnd type="none" w="med" len="med"/>
+                    </a:lnB>
+                    <a:noFill/>
+                  </a:tcPr>
+                </a:tc>
+              </a:tr>
+              <a:tr h="221161">
+                <a:tc>
+                  <a:txBody>
+                    <a:bodyPr/>
+                    <a:lstStyle/>
+                    <a:p>
+                      <a:pPr algn="ctr" latinLnBrk="1">
+                        <a:lnSpc>
+                          <a:spcPts val="1200"/>
+                        </a:lnSpc>
+                      </a:pPr>
+                      <a:endParaRPr sz="700" b="0" dirty="0">
+                        <a:solidFill>
+                          <a:schemeClr val="tx1">
+                            <a:lumMod val="75000"/>
+                            <a:lumOff val="25000"/>
+                          </a:schemeClr>
+                        </a:solidFill>
+                        <a:latin typeface="돋움"/>
+                        <a:ea typeface="돋움"/>
+                      </a:endParaRPr>
+                    </a:p>
+                  </a:txBody>
+                  <a:tcPr marL="60952" marR="77410" marT="0" marB="41468" anchor="ctr">
+                    <a:lnL w="12700" cap="flat">
+                      <a:noFill/>
+                      <a:prstDash val="solid"/>
+                      <a:round/>
+                      <a:headEnd type="none"/>
+                      <a:tailEnd type="none"/>
+                    </a:lnL>
+                    <a:lnR w="6350" cap="flat" cmpd="sng" algn="ctr">
+                      <a:solidFill>
+                        <a:schemeClr val="bg1">
+                          <a:lumMod val="75000"/>
+                        </a:schemeClr>
+                      </a:solidFill>
+                      <a:prstDash val="solid"/>
+                      <a:round/>
+                      <a:headEnd type="none" w="med" len="med"/>
+                      <a:tailEnd type="none" w="med" len="med"/>
+                    </a:lnR>
+                    <a:lnT w="6350" cap="flat" cmpd="sng" algn="ctr">
+                      <a:solidFill>
+                        <a:schemeClr val="bg1">
+                          <a:lumMod val="75000"/>
+                        </a:schemeClr>
+                      </a:solidFill>
+                      <a:prstDash val="solid"/>
+                      <a:round/>
+                      <a:headEnd type="none" w="med" len="med"/>
+                      <a:tailEnd type="none" w="med" len="med"/>
+                    </a:lnT>
+                    <a:lnB w="6350" cap="flat" cmpd="sng" algn="ctr">
+                      <a:solidFill>
+                        <a:schemeClr val="bg1">
+                          <a:lumMod val="75000"/>
+                        </a:schemeClr>
+                      </a:solidFill>
+                      <a:prstDash val="solid"/>
+                      <a:round/>
+                      <a:headEnd type="none" w="med" len="med"/>
+                      <a:tailEnd type="none" w="med" len="med"/>
+                    </a:lnB>
+                    <a:noFill/>
+                  </a:tcPr>
+                </a:tc>
+                <a:tc>
+                  <a:txBody>
+                    <a:bodyPr/>
+                    <a:lstStyle/>
+                    <a:p>
+                      <a:pPr marL="0" indent="0" latinLnBrk="1">
+                        <a:lnSpc>
+                          <a:spcPts val="1200"/>
+                        </a:lnSpc>
+                        <a:buNone/>
+                      </a:pPr>
+                      <a:endParaRPr sz="700" b="0" baseline="0" dirty="0">
+                        <a:solidFill>
+                          <a:schemeClr val="tx1">
+                            <a:lumMod val="75000"/>
+                            <a:lumOff val="25000"/>
+                          </a:schemeClr>
+                        </a:solidFill>
+                        <a:latin typeface="돋움"/>
+                        <a:ea typeface="돋움"/>
+                      </a:endParaRPr>
+                    </a:p>
+                  </a:txBody>
+                  <a:tcPr marL="77410" marR="77410" marT="41468" marB="41468" anchor="ctr">
+                    <a:lnL w="6350" cap="flat" cmpd="sng" algn="ctr">
+                      <a:solidFill>
+                        <a:schemeClr val="bg1">
+                          <a:lumMod val="75000"/>
+                        </a:schemeClr>
+                      </a:solidFill>
+                      <a:prstDash val="solid"/>
+                      <a:round/>
+                      <a:headEnd type="none" w="med" len="med"/>
+                      <a:tailEnd type="none" w="med" len="med"/>
+                    </a:lnL>
+                    <a:lnR w="12700" cap="flat">
+                      <a:noFill/>
+                      <a:prstDash val="solid"/>
+                      <a:round/>
+                      <a:headEnd type="none"/>
+                      <a:tailEnd type="none"/>
+                    </a:lnR>
+                    <a:lnT w="6350" cap="flat" cmpd="sng" algn="ctr">
+                      <a:solidFill>
+                        <a:schemeClr val="bg1">
+                          <a:lumMod val="75000"/>
+                        </a:schemeClr>
+                      </a:solidFill>
+                      <a:prstDash val="solid"/>
+                      <a:round/>
+                      <a:headEnd type="none" w="med" len="med"/>
+                      <a:tailEnd type="none" w="med" len="med"/>
+                    </a:lnT>
+                    <a:lnB w="6350" cap="flat" cmpd="sng" algn="ctr">
+                      <a:solidFill>
+                        <a:schemeClr val="bg1">
+                          <a:lumMod val="75000"/>
+                        </a:schemeClr>
+                      </a:solidFill>
+                      <a:prstDash val="solid"/>
+                      <a:round/>
+                      <a:headEnd type="none" w="med" len="med"/>
+                      <a:tailEnd type="none" w="med" len="med"/>
+                    </a:lnB>
+                    <a:noFill/>
+                  </a:tcPr>
+                </a:tc>
+              </a:tr>
+              <a:tr h="221161">
+                <a:tc>
+                  <a:txBody>
+                    <a:bodyPr/>
+                    <a:lstStyle/>
+                    <a:p>
+                      <a:pPr algn="ctr" latinLnBrk="1">
+                        <a:lnSpc>
+                          <a:spcPts val="1200"/>
+                        </a:lnSpc>
+                      </a:pPr>
+                      <a:endParaRPr sz="700" b="0" dirty="0">
+                        <a:solidFill>
+                          <a:schemeClr val="tx1">
+                            <a:lumMod val="75000"/>
+                            <a:lumOff val="25000"/>
+                          </a:schemeClr>
+                        </a:solidFill>
+                        <a:latin typeface="돋움"/>
+                        <a:ea typeface="돋움"/>
+                      </a:endParaRPr>
+                    </a:p>
+                  </a:txBody>
+                  <a:tcPr marL="60952" marR="77410" marT="0" marB="41468" anchor="ctr">
+                    <a:lnL w="12700" cap="flat">
+                      <a:noFill/>
+                      <a:prstDash val="solid"/>
+                      <a:round/>
+                      <a:headEnd type="none"/>
+                      <a:tailEnd type="none"/>
+                    </a:lnL>
+                    <a:lnR w="6350" cap="flat" cmpd="sng" algn="ctr">
+                      <a:solidFill>
+                        <a:schemeClr val="bg1">
+                          <a:lumMod val="75000"/>
+                        </a:schemeClr>
+                      </a:solidFill>
+                      <a:prstDash val="solid"/>
+                      <a:round/>
+                      <a:headEnd type="none" w="med" len="med"/>
+                      <a:tailEnd type="none" w="med" len="med"/>
+                    </a:lnR>
+                    <a:lnT w="6350" cap="flat" cmpd="sng" algn="ctr">
+                      <a:solidFill>
+                        <a:schemeClr val="bg1">
+                          <a:lumMod val="75000"/>
+                        </a:schemeClr>
+                      </a:solidFill>
+                      <a:prstDash val="solid"/>
+                      <a:round/>
+                      <a:headEnd type="none" w="med" len="med"/>
+                      <a:tailEnd type="none" w="med" len="med"/>
+                    </a:lnT>
+                    <a:lnB w="6350" cap="flat" cmpd="sng" algn="ctr">
+                      <a:solidFill>
+                        <a:schemeClr val="bg1">
+                          <a:lumMod val="75000"/>
+                        </a:schemeClr>
+                      </a:solidFill>
+                      <a:prstDash val="solid"/>
+                      <a:round/>
+                      <a:headEnd type="none" w="med" len="med"/>
+                      <a:tailEnd type="none" w="med" len="med"/>
+                    </a:lnB>
+                    <a:noFill/>
+                  </a:tcPr>
+                </a:tc>
+                <a:tc>
+                  <a:txBody>
+                    <a:bodyPr/>
+                    <a:lstStyle/>
+                    <a:p>
+                      <a:pPr marL="0" indent="0" latinLnBrk="1">
+                        <a:lnSpc>
+                          <a:spcPts val="1200"/>
+                        </a:lnSpc>
+                        <a:buNone/>
+                      </a:pPr>
+                      <a:endParaRPr sz="700" b="0" baseline="0" dirty="0">
+                        <a:solidFill>
+                          <a:schemeClr val="tx1">
+                            <a:lumMod val="75000"/>
+                            <a:lumOff val="25000"/>
+                          </a:schemeClr>
+                        </a:solidFill>
+                        <a:latin typeface="돋움"/>
+                        <a:ea typeface="돋움"/>
+                      </a:endParaRPr>
+                    </a:p>
+                  </a:txBody>
+                  <a:tcPr marL="77410" marR="77410" marT="41468" marB="41468" anchor="ctr">
+                    <a:lnL w="6350" cap="flat" cmpd="sng" algn="ctr">
+                      <a:solidFill>
+                        <a:schemeClr val="bg1">
+                          <a:lumMod val="75000"/>
+                        </a:schemeClr>
+                      </a:solidFill>
+                      <a:prstDash val="solid"/>
+                      <a:round/>
+                      <a:headEnd type="none" w="med" len="med"/>
+                      <a:tailEnd type="none" w="med" len="med"/>
+                    </a:lnL>
+                    <a:lnR w="12700" cap="flat">
+                      <a:noFill/>
+                      <a:prstDash val="solid"/>
+                      <a:round/>
+                      <a:headEnd type="none"/>
+                      <a:tailEnd type="none"/>
+                    </a:lnR>
+                    <a:lnT w="6350" cap="flat" cmpd="sng" algn="ctr">
+                      <a:solidFill>
+                        <a:schemeClr val="bg1">
+                          <a:lumMod val="75000"/>
+                        </a:schemeClr>
+                      </a:solidFill>
+                      <a:prstDash val="solid"/>
+                      <a:round/>
+                      <a:headEnd type="none" w="med" len="med"/>
+                      <a:tailEnd type="none" w="med" len="med"/>
+                    </a:lnT>
+                    <a:lnB w="6350" cap="flat" cmpd="sng" algn="ctr">
+                      <a:solidFill>
+                        <a:schemeClr val="bg1">
+                          <a:lumMod val="75000"/>
+                        </a:schemeClr>
+                      </a:solidFill>
+                      <a:prstDash val="solid"/>
+                      <a:round/>
+                      <a:headEnd type="none" w="med" len="med"/>
+                      <a:tailEnd type="none" w="med" len="med"/>
+                    </a:lnB>
+                    <a:noFill/>
+                  </a:tcPr>
+                </a:tc>
+              </a:tr>
+              <a:tr h="221161">
+                <a:tc>
+                  <a:txBody>
+                    <a:bodyPr/>
+                    <a:lstStyle/>
+                    <a:p>
+                      <a:pPr algn="ctr" latinLnBrk="1">
+                        <a:lnSpc>
+                          <a:spcPts val="1200"/>
+                        </a:lnSpc>
+                      </a:pPr>
+                      <a:endParaRPr sz="700" b="0" dirty="0">
+                        <a:solidFill>
+                          <a:schemeClr val="tx1">
+                            <a:lumMod val="75000"/>
+                            <a:lumOff val="25000"/>
+                          </a:schemeClr>
+                        </a:solidFill>
+                        <a:latin typeface="돋움"/>
+                        <a:ea typeface="돋움"/>
+                      </a:endParaRPr>
+                    </a:p>
+                  </a:txBody>
+                  <a:tcPr marL="60952" marR="77410" marT="0" marB="41468" anchor="ctr">
+                    <a:lnL w="12700" cap="flat">
+                      <a:noFill/>
+                      <a:prstDash val="solid"/>
+                      <a:round/>
+                      <a:headEnd type="none"/>
+                      <a:tailEnd type="none"/>
+                    </a:lnL>
+                    <a:lnR w="6350" cap="flat" cmpd="sng" algn="ctr">
+                      <a:solidFill>
+                        <a:schemeClr val="bg1">
+                          <a:lumMod val="75000"/>
+                        </a:schemeClr>
+                      </a:solidFill>
+                      <a:prstDash val="solid"/>
+                      <a:round/>
+                      <a:headEnd type="none" w="med" len="med"/>
+                      <a:tailEnd type="none" w="med" len="med"/>
+                    </a:lnR>
+                    <a:lnT w="6350" cap="flat" cmpd="sng" algn="ctr">
+                      <a:solidFill>
+                        <a:schemeClr val="bg1">
+                          <a:lumMod val="75000"/>
+                        </a:schemeClr>
+                      </a:solidFill>
+                      <a:prstDash val="solid"/>
+                      <a:round/>
+                      <a:headEnd type="none" w="med" len="med"/>
+                      <a:tailEnd type="none" w="med" len="med"/>
+                    </a:lnT>
+                    <a:lnB w="6350" cap="flat" cmpd="sng" algn="ctr">
+                      <a:solidFill>
+                        <a:schemeClr val="bg1">
+                          <a:lumMod val="75000"/>
+                        </a:schemeClr>
+                      </a:solidFill>
+                      <a:prstDash val="solid"/>
+                      <a:round/>
+                      <a:headEnd type="none" w="med" len="med"/>
+                      <a:tailEnd type="none" w="med" len="med"/>
+                    </a:lnB>
+                    <a:noFill/>
+                  </a:tcPr>
+                </a:tc>
+                <a:tc>
+                  <a:txBody>
+                    <a:bodyPr/>
+                    <a:lstStyle/>
+                    <a:p>
+                      <a:pPr marL="0" indent="0" latinLnBrk="1">
+                        <a:lnSpc>
+                          <a:spcPts val="1200"/>
+                        </a:lnSpc>
+                        <a:buNone/>
+                      </a:pPr>
+                      <a:endParaRPr sz="700" b="0" baseline="0" dirty="0">
+                        <a:solidFill>
+                          <a:schemeClr val="tx1">
+                            <a:lumMod val="75000"/>
+                            <a:lumOff val="25000"/>
+                          </a:schemeClr>
+                        </a:solidFill>
+                        <a:latin typeface="돋움"/>
+                        <a:ea typeface="돋움"/>
+                      </a:endParaRPr>
+                    </a:p>
+                  </a:txBody>
+                  <a:tcPr marL="77410" marR="77410" marT="41468" marB="41468" anchor="ctr">
+                    <a:lnL w="6350" cap="flat" cmpd="sng" algn="ctr">
+                      <a:solidFill>
+                        <a:schemeClr val="bg1">
+                          <a:lumMod val="75000"/>
+                        </a:schemeClr>
+                      </a:solidFill>
+                      <a:prstDash val="solid"/>
+                      <a:round/>
+                      <a:headEnd type="none" w="med" len="med"/>
+                      <a:tailEnd type="none" w="med" len="med"/>
+                    </a:lnL>
+                    <a:lnR w="12700" cap="flat">
+                      <a:noFill/>
+                      <a:prstDash val="solid"/>
+                      <a:round/>
+                      <a:headEnd type="none"/>
+                      <a:tailEnd type="none"/>
+                    </a:lnR>
+                    <a:lnT w="6350" cap="flat" cmpd="sng" algn="ctr">
+                      <a:solidFill>
+                        <a:schemeClr val="bg1">
+                          <a:lumMod val="75000"/>
+                        </a:schemeClr>
+                      </a:solidFill>
+                      <a:prstDash val="solid"/>
+                      <a:round/>
+                      <a:headEnd type="none" w="med" len="med"/>
+                      <a:tailEnd type="none" w="med" len="med"/>
+                    </a:lnT>
+                    <a:lnB w="6350" cap="flat" cmpd="sng" algn="ctr">
+                      <a:solidFill>
+                        <a:schemeClr val="bg1">
+                          <a:lumMod val="75000"/>
+                        </a:schemeClr>
+                      </a:solidFill>
+                      <a:prstDash val="solid"/>
+                      <a:round/>
+                      <a:headEnd type="none" w="med" len="med"/>
+                      <a:tailEnd type="none" w="med" len="med"/>
+                    </a:lnB>
+                    <a:noFill/>
+                  </a:tcPr>
+                </a:tc>
+              </a:tr>
+              <a:tr h="221161">
+                <a:tc>
+                  <a:txBody>
+                    <a:bodyPr/>
+                    <a:lstStyle/>
+                    <a:p>
+                      <a:pPr algn="ctr" latinLnBrk="1">
+                        <a:lnSpc>
+                          <a:spcPts val="1200"/>
+                        </a:lnSpc>
+                      </a:pPr>
+                      <a:endParaRPr sz="700" b="0" dirty="0">
+                        <a:solidFill>
+                          <a:schemeClr val="tx1">
+                            <a:lumMod val="75000"/>
+                            <a:lumOff val="25000"/>
+                          </a:schemeClr>
+                        </a:solidFill>
+                        <a:latin typeface="돋움"/>
+                        <a:ea typeface="돋움"/>
+                      </a:endParaRPr>
+                    </a:p>
+                  </a:txBody>
+                  <a:tcPr marL="60952" marR="77410" marT="0" marB="41468" anchor="ctr">
+                    <a:lnL w="12700" cap="flat">
+                      <a:noFill/>
+                      <a:prstDash val="solid"/>
+                      <a:round/>
+                      <a:headEnd type="none"/>
+                      <a:tailEnd type="none"/>
+                    </a:lnL>
+                    <a:lnR w="6350" cap="flat" cmpd="sng" algn="ctr">
+                      <a:solidFill>
+                        <a:schemeClr val="bg1">
+                          <a:lumMod val="75000"/>
+                        </a:schemeClr>
+                      </a:solidFill>
+                      <a:prstDash val="solid"/>
+                      <a:round/>
+                      <a:headEnd type="none" w="med" len="med"/>
+                      <a:tailEnd type="none" w="med" len="med"/>
+                    </a:lnR>
+                    <a:lnT w="6350" cap="flat" cmpd="sng" algn="ctr">
+                      <a:solidFill>
+                        <a:schemeClr val="bg1">
+                          <a:lumMod val="75000"/>
+                        </a:schemeClr>
+                      </a:solidFill>
+                      <a:prstDash val="solid"/>
+                      <a:round/>
+                      <a:headEnd type="none" w="med" len="med"/>
+                      <a:tailEnd type="none" w="med" len="med"/>
+                    </a:lnT>
+                    <a:lnB w="6350" cap="flat" cmpd="sng" algn="ctr">
+                      <a:solidFill>
+                        <a:schemeClr val="bg1">
+                          <a:lumMod val="75000"/>
+                        </a:schemeClr>
+                      </a:solidFill>
+                      <a:prstDash val="solid"/>
+                      <a:round/>
+                      <a:headEnd type="none" w="med" len="med"/>
+                      <a:tailEnd type="none" w="med" len="med"/>
+                    </a:lnB>
+                    <a:noFill/>
+                  </a:tcPr>
+                </a:tc>
+                <a:tc>
+                  <a:txBody>
+                    <a:bodyPr/>
+                    <a:lstStyle/>
+                    <a:p>
+                      <a:pPr marL="0" indent="0" latinLnBrk="1">
+                        <a:lnSpc>
+                          <a:spcPts val="1200"/>
+                        </a:lnSpc>
+                        <a:buNone/>
+                      </a:pPr>
+                      <a:endParaRPr sz="700" b="0" baseline="0" dirty="0">
+                        <a:solidFill>
+                          <a:schemeClr val="tx1">
+                            <a:lumMod val="75000"/>
+                            <a:lumOff val="25000"/>
+                          </a:schemeClr>
+                        </a:solidFill>
+                        <a:latin typeface="돋움"/>
+                        <a:ea typeface="돋움"/>
+                      </a:endParaRPr>
+                    </a:p>
+                  </a:txBody>
+                  <a:tcPr marL="77410" marR="77410" marT="41468" marB="41468" anchor="ctr">
+                    <a:lnL w="6350" cap="flat" cmpd="sng" algn="ctr">
+                      <a:solidFill>
+                        <a:schemeClr val="bg1">
+                          <a:lumMod val="75000"/>
+                        </a:schemeClr>
+                      </a:solidFill>
+                      <a:prstDash val="solid"/>
+                      <a:round/>
+                      <a:headEnd type="none" w="med" len="med"/>
+                      <a:tailEnd type="none" w="med" len="med"/>
+                    </a:lnL>
+                    <a:lnR w="12700" cap="flat">
+                      <a:noFill/>
+                      <a:prstDash val="solid"/>
+                      <a:round/>
+                      <a:headEnd type="none"/>
+                      <a:tailEnd type="none"/>
+                    </a:lnR>
+                    <a:lnT w="6350" cap="flat" cmpd="sng" algn="ctr">
+                      <a:solidFill>
+                        <a:schemeClr val="bg1">
+                          <a:lumMod val="75000"/>
+                        </a:schemeClr>
+                      </a:solidFill>
+                      <a:prstDash val="solid"/>
+                      <a:round/>
+                      <a:headEnd type="none" w="med" len="med"/>
+                      <a:tailEnd type="none" w="med" len="med"/>
+                    </a:lnT>
+                    <a:lnB w="6350" cap="flat" cmpd="sng" algn="ctr">
+                      <a:solidFill>
+                        <a:schemeClr val="bg1">
+                          <a:lumMod val="75000"/>
+                        </a:schemeClr>
+                      </a:solidFill>
+                      <a:prstDash val="solid"/>
+                      <a:round/>
+                      <a:headEnd type="none" w="med" len="med"/>
+                      <a:tailEnd type="none" w="med" len="med"/>
+                    </a:lnB>
+                    <a:noFill/>
+                  </a:tcPr>
+                </a:tc>
+              </a:tr>
+              <a:tr h="221161">
+                <a:tc>
+                  <a:txBody>
+                    <a:bodyPr/>
+                    <a:lstStyle/>
+                    <a:p>
+                      <a:pPr algn="ctr" latinLnBrk="1">
+                        <a:lnSpc>
+                          <a:spcPts val="1200"/>
+                        </a:lnSpc>
+                      </a:pPr>
+                      <a:endParaRPr sz="700" b="0" dirty="0">
+                        <a:solidFill>
+                          <a:schemeClr val="tx1">
+                            <a:lumMod val="75000"/>
+                            <a:lumOff val="25000"/>
+                          </a:schemeClr>
+                        </a:solidFill>
+                        <a:latin typeface="돋움"/>
+                        <a:ea typeface="돋움"/>
+                      </a:endParaRPr>
+                    </a:p>
+                  </a:txBody>
+                  <a:tcPr marL="60952" marR="77410" marT="0" marB="41468" anchor="ctr">
+                    <a:lnL w="12700" cap="flat">
+                      <a:noFill/>
+                      <a:prstDash val="solid"/>
+                      <a:round/>
+                      <a:headEnd type="none"/>
+                      <a:tailEnd type="none"/>
+                    </a:lnL>
+                    <a:lnR w="6350" cap="flat" cmpd="sng" algn="ctr">
+                      <a:solidFill>
+                        <a:schemeClr val="bg1">
+                          <a:lumMod val="75000"/>
+                        </a:schemeClr>
+                      </a:solidFill>
+                      <a:prstDash val="solid"/>
+                      <a:round/>
+                      <a:headEnd type="none" w="med" len="med"/>
+                      <a:tailEnd type="none" w="med" len="med"/>
+                    </a:lnR>
+                    <a:lnT w="6350" cap="flat" cmpd="sng" algn="ctr">
+                      <a:solidFill>
+                        <a:schemeClr val="bg1">
+                          <a:lumMod val="75000"/>
+                        </a:schemeClr>
+                      </a:solidFill>
+                      <a:prstDash val="solid"/>
+                      <a:round/>
+                      <a:headEnd type="none" w="med" len="med"/>
+                      <a:tailEnd type="none" w="med" len="med"/>
+                    </a:lnT>
+                    <a:lnB w="6350" cap="flat" cmpd="sng" algn="ctr">
+                      <a:solidFill>
+                        <a:schemeClr val="bg1">
+                          <a:lumMod val="75000"/>
+                        </a:schemeClr>
+                      </a:solidFill>
+                      <a:prstDash val="solid"/>
+                      <a:round/>
+                      <a:headEnd type="none" w="med" len="med"/>
+                      <a:tailEnd type="none" w="med" len="med"/>
+                    </a:lnB>
+                    <a:noFill/>
+                  </a:tcPr>
+                </a:tc>
+                <a:tc>
+                  <a:txBody>
+                    <a:bodyPr/>
+                    <a:lstStyle/>
+                    <a:p>
+                      <a:pPr marL="0" indent="0" latinLnBrk="1">
+                        <a:lnSpc>
+                          <a:spcPts val="1200"/>
+                        </a:lnSpc>
+                        <a:buNone/>
+                      </a:pPr>
+                      <a:endParaRPr sz="700" b="0" baseline="0" dirty="0">
+                        <a:solidFill>
+                          <a:schemeClr val="tx1">
+                            <a:lumMod val="75000"/>
+                            <a:lumOff val="25000"/>
+                          </a:schemeClr>
+                        </a:solidFill>
+                        <a:latin typeface="돋움"/>
+                        <a:ea typeface="돋움"/>
+                      </a:endParaRPr>
+                    </a:p>
+                  </a:txBody>
+                  <a:tcPr marL="77410" marR="77410" marT="41468" marB="41468" anchor="ctr">
+                    <a:lnL w="6350" cap="flat" cmpd="sng" algn="ctr">
+                      <a:solidFill>
+                        <a:schemeClr val="bg1">
+                          <a:lumMod val="75000"/>
+                        </a:schemeClr>
+                      </a:solidFill>
+                      <a:prstDash val="solid"/>
+                      <a:round/>
+                      <a:headEnd type="none" w="med" len="med"/>
+                      <a:tailEnd type="none" w="med" len="med"/>
+                    </a:lnL>
+                    <a:lnR w="12700" cap="flat">
+                      <a:noFill/>
+                      <a:prstDash val="solid"/>
+                      <a:round/>
+                      <a:headEnd type="none"/>
+                      <a:tailEnd type="none"/>
+                    </a:lnR>
+                    <a:lnT w="6350" cap="flat" cmpd="sng" algn="ctr">
+                      <a:solidFill>
+                        <a:schemeClr val="bg1">
+                          <a:lumMod val="75000"/>
+                        </a:schemeClr>
+                      </a:solidFill>
+                      <a:prstDash val="solid"/>
+                      <a:round/>
+                      <a:headEnd type="none" w="med" len="med"/>
+                      <a:tailEnd type="none" w="med" len="med"/>
+                    </a:lnT>
+                    <a:lnB w="6350" cap="flat" cmpd="sng" algn="ctr">
+                      <a:solidFill>
+                        <a:schemeClr val="bg1">
+                          <a:lumMod val="75000"/>
+                        </a:schemeClr>
+                      </a:solidFill>
+                      <a:prstDash val="solid"/>
+                      <a:round/>
+                      <a:headEnd type="none" w="med" len="med"/>
+                      <a:tailEnd type="none" w="med" len="med"/>
+                    </a:lnB>
+                    <a:noFill/>
+                  </a:tcPr>
+                </a:tc>
+              </a:tr>
+              <a:tr h="221161">
+                <a:tc>
+                  <a:txBody>
+                    <a:bodyPr/>
+                    <a:lstStyle/>
+                    <a:p>
+                      <a:pPr algn="ctr" latinLnBrk="1">
+                        <a:lnSpc>
+                          <a:spcPts val="1200"/>
+                        </a:lnSpc>
+                      </a:pPr>
+                      <a:endParaRPr sz="700" b="0" dirty="0">
+                        <a:solidFill>
+                          <a:schemeClr val="tx1">
+                            <a:lumMod val="75000"/>
+                            <a:lumOff val="25000"/>
+                          </a:schemeClr>
+                        </a:solidFill>
+                        <a:latin typeface="돋움"/>
+                        <a:ea typeface="돋움"/>
+                      </a:endParaRPr>
+                    </a:p>
+                  </a:txBody>
+                  <a:tcPr marL="60952" marR="77410" marT="0" marB="41468" anchor="ctr">
+                    <a:lnL w="12700" cap="flat">
+                      <a:noFill/>
+                      <a:prstDash val="solid"/>
+                      <a:round/>
+                      <a:headEnd type="none"/>
+                      <a:tailEnd type="none"/>
+                    </a:lnL>
+                    <a:lnR w="6350" cap="flat" cmpd="sng" algn="ctr">
+                      <a:solidFill>
+                        <a:schemeClr val="bg1">
+                          <a:lumMod val="75000"/>
+                        </a:schemeClr>
+                      </a:solidFill>
+                      <a:prstDash val="solid"/>
+                      <a:round/>
+                      <a:headEnd type="none" w="med" len="med"/>
+                      <a:tailEnd type="none" w="med" len="med"/>
+                    </a:lnR>
+                    <a:lnT w="6350" cap="flat" cmpd="sng" algn="ctr">
+                      <a:solidFill>
+                        <a:schemeClr val="bg1">
+                          <a:lumMod val="75000"/>
+                        </a:schemeClr>
+                      </a:solidFill>
+                      <a:prstDash val="solid"/>
+                      <a:round/>
+                      <a:headEnd type="none" w="med" len="med"/>
+                      <a:tailEnd type="none" w="med" len="med"/>
+                    </a:lnT>
+                    <a:lnB w="6350" cap="flat" cmpd="sng" algn="ctr">
+                      <a:solidFill>
+                        <a:schemeClr val="bg1">
+                          <a:lumMod val="75000"/>
+                        </a:schemeClr>
+                      </a:solidFill>
+                      <a:prstDash val="solid"/>
+                      <a:round/>
+                      <a:headEnd type="none" w="med" len="med"/>
+                      <a:tailEnd type="none" w="med" len="med"/>
+                    </a:lnB>
+                    <a:noFill/>
+                  </a:tcPr>
+                </a:tc>
+                <a:tc>
+                  <a:txBody>
+                    <a:bodyPr/>
+                    <a:lstStyle/>
+                    <a:p>
+                      <a:pPr marL="0" indent="0" latinLnBrk="1">
+                        <a:lnSpc>
+                          <a:spcPts val="1200"/>
+                        </a:lnSpc>
+                        <a:buNone/>
+                      </a:pPr>
+                      <a:endParaRPr sz="700" b="0" baseline="0" dirty="0">
+                        <a:solidFill>
+                          <a:schemeClr val="tx1">
+                            <a:lumMod val="75000"/>
+                            <a:lumOff val="25000"/>
+                          </a:schemeClr>
+                        </a:solidFill>
+                        <a:latin typeface="돋움"/>
+                        <a:ea typeface="돋움"/>
+                      </a:endParaRPr>
+                    </a:p>
+                  </a:txBody>
+                  <a:tcPr marL="77410" marR="77410" marT="41468" marB="41468" anchor="ctr">
+                    <a:lnL w="6350" cap="flat" cmpd="sng" algn="ctr">
+                      <a:solidFill>
+                        <a:schemeClr val="bg1">
+                          <a:lumMod val="75000"/>
+                        </a:schemeClr>
+                      </a:solidFill>
+                      <a:prstDash val="solid"/>
+                      <a:round/>
+                      <a:headEnd type="none" w="med" len="med"/>
+                      <a:tailEnd type="none" w="med" len="med"/>
+                    </a:lnL>
+                    <a:lnR w="12700" cap="flat">
+                      <a:noFill/>
+                      <a:prstDash val="solid"/>
+                      <a:round/>
+                      <a:headEnd type="none"/>
+                      <a:tailEnd type="none"/>
+                    </a:lnR>
+                    <a:lnT w="6350" cap="flat" cmpd="sng" algn="ctr">
+                      <a:solidFill>
+                        <a:schemeClr val="bg1">
+                          <a:lumMod val="75000"/>
+                        </a:schemeClr>
+                      </a:solidFill>
+                      <a:prstDash val="solid"/>
+                      <a:round/>
+                      <a:headEnd type="none" w="med" len="med"/>
+                      <a:tailEnd type="none" w="med" len="med"/>
+                    </a:lnT>
+                    <a:lnB w="6350" cap="flat" cmpd="sng" algn="ctr">
+                      <a:solidFill>
+                        <a:schemeClr val="bg1">
+                          <a:lumMod val="75000"/>
+                        </a:schemeClr>
+                      </a:solidFill>
+                      <a:prstDash val="solid"/>
+                      <a:round/>
+                      <a:headEnd type="none" w="med" len="med"/>
+                      <a:tailEnd type="none" w="med" len="med"/>
+                    </a:lnB>
+                    <a:noFill/>
+                  </a:tcPr>
+                </a:tc>
+              </a:tr>
+              <a:tr h="221161">
+                <a:tc>
+                  <a:txBody>
+                    <a:bodyPr/>
+                    <a:lstStyle/>
+                    <a:p>
+                      <a:pPr algn="ctr" latinLnBrk="1">
+                        <a:lnSpc>
+                          <a:spcPts val="1200"/>
+                        </a:lnSpc>
+                      </a:pPr>
+                      <a:endParaRPr sz="700" b="0" dirty="0">
+                        <a:solidFill>
+                          <a:schemeClr val="tx1">
+                            <a:lumMod val="75000"/>
+                            <a:lumOff val="25000"/>
+                          </a:schemeClr>
+                        </a:solidFill>
+                        <a:latin typeface="돋움"/>
+                        <a:ea typeface="돋움"/>
+                      </a:endParaRPr>
+                    </a:p>
+                  </a:txBody>
+                  <a:tcPr marL="60952" marR="77410" marT="0" marB="41468" anchor="ctr">
+                    <a:lnL w="12700" cap="flat">
+                      <a:noFill/>
+                      <a:prstDash val="solid"/>
+                      <a:round/>
+                      <a:headEnd type="none"/>
+                      <a:tailEnd type="none"/>
+                    </a:lnL>
+                    <a:lnR w="6350" cap="flat" cmpd="sng" algn="ctr">
+                      <a:solidFill>
+                        <a:schemeClr val="bg1">
+                          <a:lumMod val="75000"/>
+                        </a:schemeClr>
+                      </a:solidFill>
+                      <a:prstDash val="solid"/>
+                      <a:round/>
+                      <a:headEnd type="none" w="med" len="med"/>
+                      <a:tailEnd type="none" w="med" len="med"/>
+                    </a:lnR>
+                    <a:lnT w="6350" cap="flat" cmpd="sng" algn="ctr">
+                      <a:solidFill>
+                        <a:schemeClr val="bg1">
+                          <a:lumMod val="75000"/>
+                        </a:schemeClr>
+                      </a:solidFill>
+                      <a:prstDash val="solid"/>
+                      <a:round/>
+                      <a:headEnd type="none" w="med" len="med"/>
+                      <a:tailEnd type="none" w="med" len="med"/>
+                    </a:lnT>
+                    <a:lnB w="6350" cap="flat" cmpd="sng" algn="ctr">
+                      <a:solidFill>
+                        <a:schemeClr val="bg1">
+                          <a:lumMod val="75000"/>
+                        </a:schemeClr>
+                      </a:solidFill>
+                      <a:prstDash val="solid"/>
+                      <a:round/>
+                      <a:headEnd type="none" w="med" len="med"/>
+                      <a:tailEnd type="none" w="med" len="med"/>
+                    </a:lnB>
+                    <a:noFill/>
+                  </a:tcPr>
+                </a:tc>
+                <a:tc>
+                  <a:txBody>
+                    <a:bodyPr/>
+                    <a:lstStyle/>
+                    <a:p>
+                      <a:pPr marL="0" indent="0" latinLnBrk="1">
+                        <a:lnSpc>
+                          <a:spcPts val="1200"/>
+                        </a:lnSpc>
+                        <a:buNone/>
+                      </a:pPr>
+                      <a:endParaRPr sz="700" b="0" baseline="0" dirty="0">
+                        <a:solidFill>
+                          <a:schemeClr val="tx1">
+                            <a:lumMod val="75000"/>
+                            <a:lumOff val="25000"/>
+                          </a:schemeClr>
+                        </a:solidFill>
+                        <a:latin typeface="돋움"/>
+                        <a:ea typeface="돋움"/>
+                      </a:endParaRPr>
+                    </a:p>
+                  </a:txBody>
+                  <a:tcPr marL="77410" marR="77410" marT="41468" marB="41468" anchor="ctr">
+                    <a:lnL w="6350" cap="flat" cmpd="sng" algn="ctr">
+                      <a:solidFill>
+                        <a:schemeClr val="bg1">
+                          <a:lumMod val="75000"/>
+                        </a:schemeClr>
+                      </a:solidFill>
+                      <a:prstDash val="solid"/>
+                      <a:round/>
+                      <a:headEnd type="none" w="med" len="med"/>
+                      <a:tailEnd type="none" w="med" len="med"/>
+                    </a:lnL>
+                    <a:lnR w="12700" cap="flat">
+                      <a:noFill/>
+                      <a:prstDash val="solid"/>
+                      <a:round/>
+                      <a:headEnd type="none"/>
+                      <a:tailEnd type="none"/>
+                    </a:lnR>
+                    <a:lnT w="6350" cap="flat" cmpd="sng" algn="ctr">
+                      <a:solidFill>
+                        <a:schemeClr val="bg1">
+                          <a:lumMod val="75000"/>
+                        </a:schemeClr>
+                      </a:solidFill>
+                      <a:prstDash val="solid"/>
+                      <a:round/>
+                      <a:headEnd type="none" w="med" len="med"/>
+                      <a:tailEnd type="none" w="med" len="med"/>
+                    </a:lnT>
+                    <a:lnB w="6350" cap="flat" cmpd="sng" algn="ctr">
+                      <a:solidFill>
+                        <a:schemeClr val="bg1">
+                          <a:lumMod val="75000"/>
+                        </a:schemeClr>
+                      </a:solidFill>
+                      <a:prstDash val="solid"/>
+                      <a:round/>
+                      <a:headEnd type="none" w="med" len="med"/>
+                      <a:tailEnd type="none" w="med" len="med"/>
+                    </a:lnB>
+                    <a:noFill/>
+                  </a:tcPr>
+                </a:tc>
+              </a:tr>
+              <a:tr h="221161">
+                <a:tc>
+                  <a:txBody>
+                    <a:bodyPr/>
+                    <a:lstStyle/>
+                    <a:p>
+                      <a:pPr algn="ctr" latinLnBrk="1">
+                        <a:lnSpc>
+                          <a:spcPts val="1200"/>
+                        </a:lnSpc>
+                      </a:pPr>
+                      <a:endParaRPr sz="700" b="0" dirty="0">
+                        <a:solidFill>
+                          <a:schemeClr val="tx1">
+                            <a:lumMod val="75000"/>
+                            <a:lumOff val="25000"/>
+                          </a:schemeClr>
+                        </a:solidFill>
+                        <a:latin typeface="돋움"/>
+                        <a:ea typeface="돋움"/>
+                      </a:endParaRPr>
+                    </a:p>
+                  </a:txBody>
+                  <a:tcPr marL="60952" marR="77410" marT="0" marB="41468" anchor="ctr">
+                    <a:lnL w="12700" cap="flat">
+                      <a:noFill/>
+                      <a:prstDash val="solid"/>
+                      <a:round/>
+                      <a:headEnd type="none"/>
+                      <a:tailEnd type="none"/>
+                    </a:lnL>
+                    <a:lnR w="6350" cap="flat" cmpd="sng" algn="ctr">
+                      <a:solidFill>
+                        <a:schemeClr val="bg1">
+                          <a:lumMod val="75000"/>
+                        </a:schemeClr>
+                      </a:solidFill>
+                      <a:prstDash val="solid"/>
+                      <a:round/>
+                      <a:headEnd type="none" w="med" len="med"/>
+                      <a:tailEnd type="none" w="med" len="med"/>
+                    </a:lnR>
+                    <a:lnT w="6350" cap="flat" cmpd="sng" algn="ctr">
+                      <a:solidFill>
+                        <a:schemeClr val="bg1">
+                          <a:lumMod val="75000"/>
+                        </a:schemeClr>
+                      </a:solidFill>
+                      <a:prstDash val="solid"/>
+                      <a:round/>
+                      <a:headEnd type="none" w="med" len="med"/>
+                      <a:tailEnd type="none" w="med" len="med"/>
+                    </a:lnT>
+                    <a:lnB w="6350" cap="flat" cmpd="sng" algn="ctr">
+                      <a:solidFill>
+                        <a:schemeClr val="bg1">
+                          <a:lumMod val="75000"/>
+                        </a:schemeClr>
+                      </a:solidFill>
+                      <a:prstDash val="solid"/>
+                      <a:round/>
+                      <a:headEnd type="none" w="med" len="med"/>
+                      <a:tailEnd type="none" w="med" len="med"/>
+                    </a:lnB>
+                    <a:noFill/>
+                  </a:tcPr>
+                </a:tc>
+                <a:tc>
+                  <a:txBody>
+                    <a:bodyPr/>
+                    <a:lstStyle/>
+                    <a:p>
+                      <a:pPr marL="0" indent="0" latinLnBrk="1">
+                        <a:lnSpc>
+                          <a:spcPts val="1200"/>
+                        </a:lnSpc>
+                        <a:buNone/>
+                      </a:pPr>
+                      <a:endParaRPr sz="700" b="0" baseline="0" dirty="0">
+                        <a:solidFill>
+                          <a:schemeClr val="tx1">
+                            <a:lumMod val="75000"/>
+                            <a:lumOff val="25000"/>
+                          </a:schemeClr>
+                        </a:solidFill>
+                        <a:latin typeface="돋움"/>
+                        <a:ea typeface="돋움"/>
+                      </a:endParaRPr>
+                    </a:p>
+                  </a:txBody>
+                  <a:tcPr marL="77410" marR="77410" marT="41468" marB="41468" anchor="ctr">
+                    <a:lnL w="6350" cap="flat" cmpd="sng" algn="ctr">
+                      <a:solidFill>
+                        <a:schemeClr val="bg1">
+                          <a:lumMod val="75000"/>
+                        </a:schemeClr>
+                      </a:solidFill>
+                      <a:prstDash val="solid"/>
+                      <a:round/>
+                      <a:headEnd type="none" w="med" len="med"/>
+                      <a:tailEnd type="none" w="med" len="med"/>
+                    </a:lnL>
+                    <a:lnR w="12700" cap="flat">
+                      <a:noFill/>
+                      <a:prstDash val="solid"/>
+                      <a:round/>
+                      <a:headEnd type="none"/>
+                      <a:tailEnd type="none"/>
+                    </a:lnR>
+                    <a:lnT w="6350" cap="flat" cmpd="sng" algn="ctr">
+                      <a:solidFill>
+                        <a:schemeClr val="bg1">
+                          <a:lumMod val="75000"/>
+                        </a:schemeClr>
+                      </a:solidFill>
+                      <a:prstDash val="solid"/>
+                      <a:round/>
+                      <a:headEnd type="none" w="med" len="med"/>
+                      <a:tailEnd type="none" w="med" len="med"/>
+                    </a:lnT>
+                    <a:lnB w="6350" cap="flat" cmpd="sng" algn="ctr">
+                      <a:solidFill>
+                        <a:schemeClr val="bg1">
+                          <a:lumMod val="75000"/>
+                        </a:schemeClr>
+                      </a:solidFill>
+                      <a:prstDash val="solid"/>
+                      <a:round/>
+                      <a:headEnd type="none" w="med" len="med"/>
+                      <a:tailEnd type="none" w="med" len="med"/>
+                    </a:lnB>
+                    <a:noFill/>
+                  </a:tcPr>
+                </a:tc>
+              </a:tr>
+              <a:tr h="221161">
+                <a:tc>
+                  <a:txBody>
+                    <a:bodyPr/>
+                    <a:lstStyle/>
+                    <a:p>
+                      <a:pPr algn="ctr" latinLnBrk="1">
+                        <a:lnSpc>
+                          <a:spcPts val="1200"/>
+                        </a:lnSpc>
+                      </a:pPr>
+                      <a:endParaRPr sz="700" b="0" dirty="0">
+                        <a:solidFill>
+                          <a:schemeClr val="tx1">
+                            <a:lumMod val="75000"/>
+                            <a:lumOff val="25000"/>
+                          </a:schemeClr>
+                        </a:solidFill>
+                        <a:latin typeface="돋움"/>
+                        <a:ea typeface="돋움"/>
+                      </a:endParaRPr>
+                    </a:p>
+                  </a:txBody>
+                  <a:tcPr marL="60952" marR="77410" marT="0" marB="41468" anchor="ctr">
+                    <a:lnL w="12700" cap="flat">
+                      <a:noFill/>
+                      <a:prstDash val="solid"/>
+                      <a:round/>
+                      <a:headEnd type="none"/>
+                      <a:tailEnd type="none"/>
+                    </a:lnL>
+                    <a:lnR w="6350" cap="flat" cmpd="sng" algn="ctr">
+                      <a:solidFill>
+                        <a:schemeClr val="bg1">
+                          <a:lumMod val="75000"/>
+                        </a:schemeClr>
+                      </a:solidFill>
+                      <a:prstDash val="solid"/>
+                      <a:round/>
+                      <a:headEnd type="none" w="med" len="med"/>
+                      <a:tailEnd type="none" w="med" len="med"/>
+                    </a:lnR>
+                    <a:lnT w="6350" cap="flat" cmpd="sng" algn="ctr">
+                      <a:solidFill>
+                        <a:schemeClr val="bg1">
+                          <a:lumMod val="75000"/>
+                        </a:schemeClr>
+                      </a:solidFill>
+                      <a:prstDash val="solid"/>
+                      <a:round/>
+                      <a:headEnd type="none" w="med" len="med"/>
+                      <a:tailEnd type="none" w="med" len="med"/>
+                    </a:lnT>
+                    <a:lnB w="6350" cap="flat" cmpd="sng" algn="ctr">
+                      <a:solidFill>
+                        <a:schemeClr val="bg1">
+                          <a:lumMod val="75000"/>
+                        </a:schemeClr>
+                      </a:solidFill>
+                      <a:prstDash val="solid"/>
+                      <a:round/>
+                      <a:headEnd type="none" w="med" len="med"/>
+                      <a:tailEnd type="none" w="med" len="med"/>
+                    </a:lnB>
+                    <a:noFill/>
+                  </a:tcPr>
+                </a:tc>
+                <a:tc>
+                  <a:txBody>
+                    <a:bodyPr/>
+                    <a:lstStyle/>
+                    <a:p>
+                      <a:pPr marL="0" indent="0" latinLnBrk="1">
+                        <a:lnSpc>
+                          <a:spcPts val="1200"/>
+                        </a:lnSpc>
+                        <a:buNone/>
+                      </a:pPr>
+                      <a:endParaRPr sz="700" b="0" baseline="0" dirty="0">
+                        <a:solidFill>
+                          <a:schemeClr val="tx1">
+                            <a:lumMod val="75000"/>
+                            <a:lumOff val="25000"/>
+                          </a:schemeClr>
+                        </a:solidFill>
+                        <a:latin typeface="돋움"/>
+                        <a:ea typeface="돋움"/>
+                      </a:endParaRPr>
+                    </a:p>
+                  </a:txBody>
+                  <a:tcPr marL="77410" marR="77410" marT="41468" marB="41468" anchor="ctr">
+                    <a:lnL w="6350" cap="flat" cmpd="sng" algn="ctr">
+                      <a:solidFill>
+                        <a:schemeClr val="bg1">
+                          <a:lumMod val="75000"/>
+                        </a:schemeClr>
+                      </a:solidFill>
+                      <a:prstDash val="solid"/>
+                      <a:round/>
+                      <a:headEnd type="none" w="med" len="med"/>
+                      <a:tailEnd type="none" w="med" len="med"/>
+                    </a:lnL>
+                    <a:lnR w="12700" cap="flat">
+                      <a:noFill/>
+                      <a:prstDash val="solid"/>
+                      <a:round/>
+                      <a:headEnd type="none"/>
+                      <a:tailEnd type="none"/>
+                    </a:lnR>
+                    <a:lnT w="6350" cap="flat" cmpd="sng" algn="ctr">
+                      <a:solidFill>
+                        <a:schemeClr val="bg1">
+                          <a:lumMod val="75000"/>
+                        </a:schemeClr>
+                      </a:solidFill>
+                      <a:prstDash val="solid"/>
+                      <a:round/>
+                      <a:headEnd type="none" w="med" len="med"/>
+                      <a:tailEnd type="none" w="med" len="med"/>
+                    </a:lnT>
+                    <a:lnB w="6350" cap="flat" cmpd="sng" algn="ctr">
+                      <a:solidFill>
+                        <a:schemeClr val="bg1">
+                          <a:lumMod val="75000"/>
+                        </a:schemeClr>
+                      </a:solidFill>
+                      <a:prstDash val="solid"/>
+                      <a:round/>
+                      <a:headEnd type="none" w="med" len="med"/>
+                      <a:tailEnd type="none" w="med" len="med"/>
+                    </a:lnB>
+                    <a:noFill/>
+                  </a:tcPr>
+                </a:tc>
+              </a:tr>
+              <a:tr h="221161">
+                <a:tc>
+                  <a:txBody>
+                    <a:bodyPr/>
+                    <a:lstStyle/>
+                    <a:p>
+                      <a:pPr algn="ctr" latinLnBrk="1">
+                        <a:lnSpc>
+                          <a:spcPts val="1200"/>
+                        </a:lnSpc>
+                      </a:pPr>
+                      <a:endParaRPr sz="700" b="0" dirty="0">
+                        <a:solidFill>
+                          <a:schemeClr val="tx1">
+                            <a:lumMod val="75000"/>
+                            <a:lumOff val="25000"/>
+                          </a:schemeClr>
+                        </a:solidFill>
+                        <a:latin typeface="돋움"/>
+                        <a:ea typeface="돋움"/>
+                      </a:endParaRPr>
+                    </a:p>
+                  </a:txBody>
+                  <a:tcPr marL="60952" marR="77410" marT="0" marB="41468" anchor="ctr">
+                    <a:lnL w="12700" cap="flat">
+                      <a:noFill/>
+                      <a:prstDash val="solid"/>
+                      <a:round/>
+                      <a:headEnd type="none"/>
+                      <a:tailEnd type="none"/>
+                    </a:lnL>
+                    <a:lnR w="6350" cap="flat" cmpd="sng" algn="ctr">
+                      <a:solidFill>
+                        <a:schemeClr val="bg1">
+                          <a:lumMod val="75000"/>
+                        </a:schemeClr>
+                      </a:solidFill>
+                      <a:prstDash val="solid"/>
+                      <a:round/>
+                      <a:headEnd type="none" w="med" len="med"/>
+                      <a:tailEnd type="none" w="med" len="med"/>
+                    </a:lnR>
+                    <a:lnT w="6350" cap="flat" cmpd="sng" algn="ctr">
+                      <a:solidFill>
+                        <a:schemeClr val="bg1">
+                          <a:lumMod val="75000"/>
+                        </a:schemeClr>
+                      </a:solidFill>
+                      <a:prstDash val="solid"/>
+                      <a:round/>
+                      <a:headEnd type="none" w="med" len="med"/>
+                      <a:tailEnd type="none" w="med" len="med"/>
+                    </a:lnT>
+                    <a:lnB w="6350" cap="flat" cmpd="sng" algn="ctr">
+                      <a:solidFill>
+                        <a:schemeClr val="bg1">
+                          <a:lumMod val="75000"/>
+                        </a:schemeClr>
+                      </a:solidFill>
+                      <a:prstDash val="solid"/>
+                      <a:round/>
+                      <a:headEnd type="none" w="med" len="med"/>
+                      <a:tailEnd type="none" w="med" len="med"/>
+                    </a:lnB>
+                    <a:noFill/>
+                  </a:tcPr>
+                </a:tc>
+                <a:tc>
+                  <a:txBody>
+                    <a:bodyPr/>
+                    <a:lstStyle/>
+                    <a:p>
+                      <a:pPr marL="0" indent="0" latinLnBrk="1">
+                        <a:lnSpc>
+                          <a:spcPts val="1200"/>
+                        </a:lnSpc>
+                        <a:buNone/>
+                      </a:pPr>
+                      <a:endParaRPr sz="700" b="0" baseline="0" dirty="0">
+                        <a:solidFill>
+                          <a:schemeClr val="tx1">
+                            <a:lumMod val="75000"/>
+                            <a:lumOff val="25000"/>
+                          </a:schemeClr>
+                        </a:solidFill>
+                        <a:latin typeface="돋움"/>
+                        <a:ea typeface="돋움"/>
+                      </a:endParaRPr>
+                    </a:p>
+                  </a:txBody>
+                  <a:tcPr marL="77410" marR="77410" marT="41468" marB="41468" anchor="ctr">
+                    <a:lnL w="6350" cap="flat" cmpd="sng" algn="ctr">
+                      <a:solidFill>
+                        <a:schemeClr val="bg1">
+                          <a:lumMod val="75000"/>
+                        </a:schemeClr>
+                      </a:solidFill>
+                      <a:prstDash val="solid"/>
+                      <a:round/>
+                      <a:headEnd type="none" w="med" len="med"/>
+                      <a:tailEnd type="none" w="med" len="med"/>
+                    </a:lnL>
+                    <a:lnR w="12700" cap="flat">
+                      <a:noFill/>
+                      <a:prstDash val="solid"/>
+                      <a:round/>
+                      <a:headEnd type="none"/>
+                      <a:tailEnd type="none"/>
+                    </a:lnR>
+                    <a:lnT w="6350" cap="flat" cmpd="sng" algn="ctr">
+                      <a:solidFill>
+                        <a:schemeClr val="bg1">
+                          <a:lumMod val="75000"/>
+                        </a:schemeClr>
+                      </a:solidFill>
+                      <a:prstDash val="solid"/>
+                      <a:round/>
+                      <a:headEnd type="none" w="med" len="med"/>
+                      <a:tailEnd type="none" w="med" len="med"/>
+                    </a:lnT>
+                    <a:lnB w="6350" cap="flat" cmpd="sng" algn="ctr">
+                      <a:solidFill>
+                        <a:schemeClr val="bg1">
+                          <a:lumMod val="75000"/>
+                        </a:schemeClr>
+                      </a:solidFill>
+                      <a:prstDash val="solid"/>
+                      <a:round/>
+                      <a:headEnd type="none" w="med" len="med"/>
+                      <a:tailEnd type="none" w="med" len="med"/>
+                    </a:lnB>
+                    <a:noFill/>
+                  </a:tcPr>
+                </a:tc>
+              </a:tr>
+              <a:tr h="221161">
+                <a:tc>
+                  <a:txBody>
+                    <a:bodyPr/>
+                    <a:lstStyle/>
+                    <a:p>
+                      <a:pPr algn="ctr" latinLnBrk="1">
+                        <a:lnSpc>
+                          <a:spcPts val="1200"/>
+                        </a:lnSpc>
+                      </a:pPr>
+                      <a:endParaRPr sz="700" b="0" dirty="0">
+                        <a:solidFill>
+                          <a:schemeClr val="tx1">
+                            <a:lumMod val="75000"/>
+                            <a:lumOff val="25000"/>
+                          </a:schemeClr>
+                        </a:solidFill>
+                        <a:latin typeface="돋움"/>
+                        <a:ea typeface="돋움"/>
+                      </a:endParaRPr>
+                    </a:p>
+                  </a:txBody>
+                  <a:tcPr marL="60952" marR="77410" marT="0" marB="41468" anchor="ctr">
+                    <a:lnL w="12700" cap="flat">
+                      <a:noFill/>
+                      <a:prstDash val="solid"/>
+                      <a:round/>
+                      <a:headEnd type="none"/>
+                      <a:tailEnd type="none"/>
+                    </a:lnL>
+                    <a:lnR w="6350" cap="flat" cmpd="sng" algn="ctr">
+                      <a:solidFill>
+                        <a:schemeClr val="bg1">
+                          <a:lumMod val="75000"/>
+                        </a:schemeClr>
+                      </a:solidFill>
+                      <a:prstDash val="solid"/>
+                      <a:round/>
+                      <a:headEnd type="none" w="med" len="med"/>
+                      <a:tailEnd type="none" w="med" len="med"/>
+                    </a:lnR>
+                    <a:lnT w="6350" cap="flat" cmpd="sng" algn="ctr">
+                      <a:solidFill>
+                        <a:schemeClr val="bg1">
+                          <a:lumMod val="75000"/>
+                        </a:schemeClr>
+                      </a:solidFill>
+                      <a:prstDash val="solid"/>
+                      <a:round/>
+                      <a:headEnd type="none" w="med" len="med"/>
+                      <a:tailEnd type="none" w="med" len="med"/>
+                    </a:lnT>
+                    <a:lnB w="6350" cap="flat" cmpd="sng" algn="ctr">
+                      <a:solidFill>
+                        <a:schemeClr val="bg1">
+                          <a:lumMod val="75000"/>
+                        </a:schemeClr>
+                      </a:solidFill>
+                      <a:prstDash val="solid"/>
+                      <a:round/>
+                      <a:headEnd type="none" w="med" len="med"/>
+                      <a:tailEnd type="none" w="med" len="med"/>
+                    </a:lnB>
+                    <a:noFill/>
+                  </a:tcPr>
+                </a:tc>
+                <a:tc>
+                  <a:txBody>
+                    <a:bodyPr/>
+                    <a:lstStyle/>
+                    <a:p>
+                      <a:pPr marL="0" indent="0" latinLnBrk="1">
+                        <a:lnSpc>
+                          <a:spcPts val="1200"/>
+                        </a:lnSpc>
+                        <a:buNone/>
+                      </a:pPr>
+                      <a:endParaRPr sz="700" b="0" baseline="0" dirty="0">
+                        <a:solidFill>
+                          <a:schemeClr val="tx1">
+                            <a:lumMod val="75000"/>
+                            <a:lumOff val="25000"/>
+                          </a:schemeClr>
+                        </a:solidFill>
+                        <a:latin typeface="돋움"/>
+                        <a:ea typeface="돋움"/>
+                      </a:endParaRPr>
+                    </a:p>
+                  </a:txBody>
+                  <a:tcPr marL="77410" marR="77410" marT="41468" marB="41468" anchor="ctr">
+                    <a:lnL w="6350" cap="flat" cmpd="sng" algn="ctr">
+                      <a:solidFill>
+                        <a:schemeClr val="bg1">
+                          <a:lumMod val="75000"/>
+                        </a:schemeClr>
+                      </a:solidFill>
+                      <a:prstDash val="solid"/>
+                      <a:round/>
+                      <a:headEnd type="none" w="med" len="med"/>
+                      <a:tailEnd type="none" w="med" len="med"/>
+                    </a:lnL>
+                    <a:lnR w="12700" cap="flat">
+                      <a:noFill/>
+                      <a:prstDash val="solid"/>
+                      <a:round/>
+                      <a:headEnd type="none"/>
+                      <a:tailEnd type="none"/>
+                    </a:lnR>
+                    <a:lnT w="6350" cap="flat" cmpd="sng" algn="ctr">
+                      <a:solidFill>
+                        <a:schemeClr val="bg1">
+                          <a:lumMod val="75000"/>
+                        </a:schemeClr>
+                      </a:solidFill>
+                      <a:prstDash val="solid"/>
+                      <a:round/>
+                      <a:headEnd type="none" w="med" len="med"/>
+                      <a:tailEnd type="none" w="med" len="med"/>
+                    </a:lnT>
+                    <a:lnB w="6350" cap="flat" cmpd="sng" algn="ctr">
+                      <a:solidFill>
+                        <a:schemeClr val="bg1">
+                          <a:lumMod val="75000"/>
+                        </a:schemeClr>
+                      </a:solidFill>
+                      <a:prstDash val="solid"/>
+                      <a:round/>
+                      <a:headEnd type="none" w="med" len="med"/>
+                      <a:tailEnd type="none" w="med" len="med"/>
+                    </a:lnB>
+                    <a:noFill/>
+                  </a:tcPr>
+                </a:tc>
+              </a:tr>
+              <a:tr h="221161">
+                <a:tc>
+                  <a:txBody>
+                    <a:bodyPr/>
+                    <a:lstStyle/>
+                    <a:p>
+                      <a:pPr algn="ctr" latinLnBrk="1">
+                        <a:lnSpc>
+                          <a:spcPts val="1200"/>
+                        </a:lnSpc>
+                      </a:pPr>
+                      <a:endParaRPr sz="700" b="0" dirty="0">
+                        <a:solidFill>
+                          <a:schemeClr val="tx1">
+                            <a:lumMod val="75000"/>
+                            <a:lumOff val="25000"/>
+                          </a:schemeClr>
+                        </a:solidFill>
+                        <a:latin typeface="돋움"/>
+                        <a:ea typeface="돋움"/>
+                      </a:endParaRPr>
+                    </a:p>
+                  </a:txBody>
+                  <a:tcPr marL="60952" marR="77410" marT="0" marB="41468" anchor="ctr">
+                    <a:lnL w="12700" cap="flat">
+                      <a:noFill/>
+                      <a:prstDash val="solid"/>
+                      <a:round/>
+                      <a:headEnd type="none"/>
+                      <a:tailEnd type="none"/>
+                    </a:lnL>
+                    <a:lnR w="6350" cap="flat" cmpd="sng" algn="ctr">
+                      <a:solidFill>
+                        <a:schemeClr val="bg1">
+                          <a:lumMod val="75000"/>
+                        </a:schemeClr>
+                      </a:solidFill>
+                      <a:prstDash val="solid"/>
+                      <a:round/>
+                      <a:headEnd type="none" w="med" len="med"/>
+                      <a:tailEnd type="none" w="med" len="med"/>
+                    </a:lnR>
+                    <a:lnT w="6350" cap="flat" cmpd="sng" algn="ctr">
+                      <a:solidFill>
+                        <a:schemeClr val="bg1">
+                          <a:lumMod val="75000"/>
+                        </a:schemeClr>
+                      </a:solidFill>
+                      <a:prstDash val="solid"/>
+                      <a:round/>
+                      <a:headEnd type="none" w="med" len="med"/>
+                      <a:tailEnd type="none" w="med" len="med"/>
+                    </a:lnT>
+                    <a:lnB w="6350" cap="flat">
+                      <a:solidFill>
+                        <a:schemeClr val="bg1">
+                          <a:lumMod val="75000"/>
+                        </a:schemeClr>
+                      </a:solidFill>
+                      <a:prstDash val="solid"/>
+                      <a:round/>
+                      <a:headEnd type="none"/>
+                      <a:tailEnd type="none"/>
+                    </a:lnB>
+                    <a:noFill/>
+                  </a:tcPr>
+                </a:tc>
+                <a:tc>
+                  <a:txBody>
+                    <a:bodyPr/>
+                    <a:lstStyle/>
+                    <a:p>
+                      <a:pPr marL="0" indent="0" latinLnBrk="1">
+                        <a:lnSpc>
+                          <a:spcPts val="1200"/>
+                        </a:lnSpc>
+                        <a:buNone/>
+                      </a:pPr>
+                      <a:endParaRPr sz="700" b="0" baseline="0" dirty="0">
+                        <a:solidFill>
+                          <a:schemeClr val="tx1">
+                            <a:lumMod val="75000"/>
+                            <a:lumOff val="25000"/>
+                          </a:schemeClr>
+                        </a:solidFill>
+                        <a:latin typeface="돋움"/>
+                        <a:ea typeface="돋움"/>
+                      </a:endParaRPr>
+                    </a:p>
+                  </a:txBody>
+                  <a:tcPr marL="77410" marR="77410" marT="41468" marB="41468" anchor="ctr">
+                    <a:lnL w="6350" cap="flat" cmpd="sng" algn="ctr">
+                      <a:solidFill>
+                        <a:schemeClr val="bg1">
+                          <a:lumMod val="75000"/>
+                        </a:schemeClr>
+                      </a:solidFill>
+                      <a:prstDash val="solid"/>
+                      <a:round/>
+                      <a:headEnd type="none" w="med" len="med"/>
+                      <a:tailEnd type="none" w="med" len="med"/>
+                    </a:lnL>
+                    <a:lnR w="12700" cap="flat">
+                      <a:noFill/>
+                      <a:prstDash val="solid"/>
+                      <a:round/>
+                      <a:headEnd type="none"/>
+                      <a:tailEnd type="none"/>
+                    </a:lnR>
+                    <a:lnT w="6350" cap="flat" cmpd="sng" algn="ctr">
+                      <a:solidFill>
+                        <a:schemeClr val="bg1">
+                          <a:lumMod val="75000"/>
+                        </a:schemeClr>
+                      </a:solidFill>
+                      <a:prstDash val="solid"/>
+                      <a:round/>
+                      <a:headEnd type="none" w="med" len="med"/>
+                      <a:tailEnd type="none" w="med" len="med"/>
+                    </a:lnT>
+                    <a:lnB w="6350" cap="flat">
+                      <a:solidFill>
+                        <a:schemeClr val="bg1">
+                          <a:lumMod val="75000"/>
+                        </a:schemeClr>
+                      </a:solidFill>
+                      <a:prstDash val="solid"/>
+                      <a:round/>
+                      <a:headEnd type="none"/>
+                      <a:tailEnd type="none"/>
+                    </a:lnB>
+                    <a:noFill/>
+                  </a:tcPr>
+                </a:tc>
+              </a:tr>
+            </a:tbl>
+          </a:graphicData>
+        </a:graphic>
+      </p:graphicFrame>
+      <p:sp>
+        <p:nvSpPr>
+          <p:cNvPr id="10" name="직사각형 9"/>
+          <p:cNvSpPr/>
+          <p:nvPr/>
+        </p:nvSpPr>
+        <p:spPr>
+          <a:xfrm>
+            <a:off x="752593" y="1255548"/>
+            <a:ext cx="1677206" cy="518346"/>
+          </a:xfrm>
+          <a:prstGeom prst="rect">
+            <a:avLst/>
+          </a:prstGeom>
+          <a:solidFill>
+            <a:schemeClr val="bg1"/>
+          </a:solidFill>
+          <a:ln>
+            <a:solidFill>
+              <a:schemeClr val="bg1"/>
+            </a:solidFill>
+          </a:ln>
+        </p:spPr>
+        <p:style>
+          <a:lnRef idx="2">
+            <a:schemeClr val="accent1">
+              <a:shade val="50000"/>
+            </a:schemeClr>
+          </a:lnRef>
+          <a:fillRef idx="1">
+            <a:schemeClr val="accent1"/>
+          </a:fillRef>
+          <a:effectRef idx="0">
+            <a:schemeClr val="accent1"/>
+          </a:effectRef>
+          <a:fontRef idx="minor">
+            <a:schemeClr val="lt1"/>
+          </a:fontRef>
+        </p:style>
+        <p:txBody>
+          <a:bodyPr lIns="79681" tIns="39840" rIns="79681" bIns="39840" spcCol="0" rtlCol="0" anchor="ctr"/>
+          <a:lstStyle/>
+          <a:p>
+            <a:pPr algn="ctr"/>
+            <a:endParaRPr lang="ko-KR" altLang="en-US"/>
+          </a:p>
+        </p:txBody>
+      </p:sp>
+      <p:sp>
+        <p:nvSpPr>
+          <p:cNvPr id="22" name="직사각형 21"/>
+          <p:cNvSpPr/>
+          <p:nvPr/>
+        </p:nvSpPr>
+        <p:spPr>
+          <a:xfrm>
+            <a:off x="776030" y="1250811"/>
+            <a:ext cx="1677206" cy="518346"/>
+          </a:xfrm>
+          <a:prstGeom prst="rect">
+            <a:avLst/>
+          </a:prstGeom>
+          <a:solidFill>
+            <a:schemeClr val="bg1"/>
+          </a:solidFill>
+          <a:ln>
+            <a:solidFill>
+              <a:schemeClr val="bg1"/>
+            </a:solidFill>
+          </a:ln>
+        </p:spPr>
+        <p:style>
+          <a:lnRef idx="2">
+            <a:schemeClr val="accent1">
+              <a:shade val="50000"/>
+            </a:schemeClr>
+          </a:lnRef>
+          <a:fillRef idx="1">
+            <a:schemeClr val="accent1"/>
+          </a:fillRef>
+          <a:effectRef idx="0">
+            <a:schemeClr val="accent1"/>
+          </a:effectRef>
+          <a:fontRef idx="minor">
+            <a:schemeClr val="lt1"/>
+          </a:fontRef>
+        </p:style>
+        <p:txBody>
+          <a:bodyPr lIns="79681" tIns="39840" rIns="79681" bIns="39840" spcCol="0" rtlCol="0" anchor="ctr"/>
+          <a:lstStyle/>
+          <a:p>
+            <a:pPr algn="ctr"/>
+            <a:endParaRPr lang="ko-KR" altLang="en-US"/>
+          </a:p>
+        </p:txBody>
+      </p:sp>
+      <p:sp>
+        <p:nvSpPr>
+          <p:cNvPr id="31" name="직사각형 30"/>
+          <p:cNvSpPr/>
+          <p:nvPr/>
+        </p:nvSpPr>
+        <p:spPr>
+          <a:xfrm>
+            <a:off x="653650" y="4516908"/>
+            <a:ext cx="1677206" cy="518346"/>
+          </a:xfrm>
+          <a:prstGeom prst="rect">
+            <a:avLst/>
+          </a:prstGeom>
+          <a:solidFill>
+            <a:schemeClr val="bg1"/>
+          </a:solidFill>
+          <a:ln>
+            <a:solidFill>
+              <a:schemeClr val="bg1"/>
+            </a:solidFill>
+          </a:ln>
+        </p:spPr>
+        <p:style>
+          <a:lnRef idx="2">
+            <a:schemeClr val="accent1">
+              <a:shade val="50000"/>
+            </a:schemeClr>
+          </a:lnRef>
+          <a:fillRef idx="1">
+            <a:schemeClr val="accent1"/>
+          </a:fillRef>
+          <a:effectRef idx="0">
+            <a:schemeClr val="accent1"/>
+          </a:effectRef>
+          <a:fontRef idx="minor">
+            <a:schemeClr val="lt1"/>
+          </a:fontRef>
+        </p:style>
+        <p:txBody>
+          <a:bodyPr lIns="79681" tIns="39840" rIns="79681" bIns="39840" spcCol="0" rtlCol="0" anchor="ctr"/>
+          <a:lstStyle/>
+          <a:p>
+            <a:pPr algn="ctr"/>
+            <a:endParaRPr lang="ko-KR" altLang="en-US"/>
+          </a:p>
+        </p:txBody>
+      </p:sp>
+      <p:sp>
+        <p:nvSpPr>
+          <p:cNvPr id="32" name="직사각형 31"/>
+          <p:cNvSpPr/>
+          <p:nvPr/>
+        </p:nvSpPr>
+        <p:spPr>
+          <a:xfrm>
+            <a:off x="3201712" y="3166430"/>
+            <a:ext cx="2195451" cy="838633"/>
+          </a:xfrm>
+          <a:prstGeom prst="rect">
+            <a:avLst/>
+          </a:prstGeom>
+          <a:solidFill>
+            <a:schemeClr val="bg1"/>
+          </a:solidFill>
+          <a:ln>
+            <a:solidFill>
+              <a:schemeClr val="bg1"/>
+            </a:solidFill>
+          </a:ln>
+        </p:spPr>
+        <p:style>
+          <a:lnRef idx="2">
+            <a:schemeClr val="accent1">
+              <a:shade val="50000"/>
+            </a:schemeClr>
+          </a:lnRef>
+          <a:fillRef idx="1">
+            <a:schemeClr val="accent1"/>
+          </a:fillRef>
+          <a:effectRef idx="0">
+            <a:schemeClr val="accent1"/>
+          </a:effectRef>
+          <a:fontRef idx="minor">
+            <a:schemeClr val="lt1"/>
+          </a:fontRef>
+        </p:style>
+        <p:txBody>
+          <a:bodyPr lIns="79681" tIns="39840" rIns="79681" bIns="39840" spcCol="0" rtlCol="0" anchor="ctr"/>
+          <a:lstStyle/>
+          <a:p>
+            <a:pPr algn="ctr"/>
+            <a:endParaRPr lang="ko-KR" altLang="en-US"/>
+          </a:p>
+        </p:txBody>
+      </p:sp>
+    </p:spTree>
+    <p:extLst>
+      <p:ext uri="{BB962C8B-B14F-4D97-AF65-F5344CB8AC3E}">
+        <p14:creationId xmlns:p14="http://schemas.microsoft.com/office/powerpoint/2010/main" val="1679363734"/>
+      </p:ext>
+    </p:extLst>
+  </p:cSld>
+  <p:clrMapOvr>
+    <a:masterClrMapping/>
+  </p:clrMapOvr>
+  <mc:AlternateContent xmlns:mc="http://schemas.openxmlformats.org/markup-compatibility/2006" xmlns:p14="http://schemas.microsoft.com/office/powerpoint/2010/main">
+    <mc:Choice Requires="p14">
+      <p:transition spd="slow" p14:dur="2000"/>
+    </mc:Choice>
+    <mc:Fallback xmlns="">
+      <p:transition spd="slow"/>
+    </mc:Fallback>
+  </mc:AlternateContent>
+</p:sld>
+</file>
+
+<file path=ppt/slides/slide4.xml><?xml version="1.0" encoding="utf-8"?>
+<p:sld xmlns:a="http://schemas.openxmlformats.org/drawingml/2006/main" xmlns:r="http://schemas.openxmlformats.org/officeDocument/2006/relationships" xmlns:p="http://schemas.openxmlformats.org/presentationml/2006/main" show="0">
+  <p:cSld>
+    <p:spTree>
+      <p:nvGrpSpPr>
+        <p:cNvPr id="1" name=""/>
+        <p:cNvGrpSpPr/>
+        <p:nvPr/>
+      </p:nvGrpSpPr>
+      <p:grpSpPr>
+        <a:xfrm>
+          <a:off x="0" y="0"/>
+          <a:ext cx="0" cy="0"/>
+          <a:chOff x="0" y="0"/>
+          <a:chExt cx="0" cy="0"/>
+        </a:xfrm>
+      </p:grpSpPr>
+      <p:sp>
+        <p:nvSpPr>
+          <p:cNvPr id="3" name="slide29_shape1"/>
+          <p:cNvSpPr>
+            <a:spLocks noGrp="1"/>
+          </p:cNvSpPr>
+          <p:nvPr>
+            <p:ph type="ctrTitle"/>
+          </p:nvPr>
+        </p:nvSpPr>
+        <p:spPr>
+          <a:xfrm>
+            <a:off x="190438" y="166950"/>
+            <a:ext cx="7311582" cy="360040"/>
+          </a:xfrm>
+          <a:prstGeom prst="rect">
+            <a:avLst/>
+          </a:prstGeom>
+        </p:spPr>
+        <p:txBody>
+          <a:bodyPr lIns="87274" tIns="43637" rIns="87274" bIns="43637"/>
+          <a:lstStyle>
+            <a:lvl1pPr algn="l">
+              <a:defRPr sz="1600" b="0">
+                <a:solidFill>
+                  <a:schemeClr val="tx1">
+                    <a:lumMod val="65000"/>
+                    <a:lumOff val="35000"/>
+                  </a:schemeClr>
+                </a:solidFill>
+                <a:latin typeface="나눔고딕"/>
+                <a:ea typeface="나눔고딕"/>
+              </a:defRPr>
+            </a:lvl1pPr>
+          </a:lstStyle>
+          <a:p>
+            <a:pPr defTabSz="872744"/>
+            <a:r>
+              <a:rPr lang="en-US" altLang="ko-KR" sz="1400" b="1"/>
+              <a:t>10-2 000000</a:t>
+            </a:r>
+            <a:endParaRPr sz="1400" b="1"/>
+          </a:p>
+        </p:txBody>
+      </p:sp>
+      <p:sp>
+        <p:nvSpPr>
+          <p:cNvPr id="4" name="slide29_shape2"/>
+          <p:cNvSpPr>
+            <a:spLocks noGrp="1"/>
+          </p:cNvSpPr>
+          <p:nvPr>
+            <p:ph type="subTitle" idx="1"/>
+          </p:nvPr>
+        </p:nvSpPr>
+        <p:spPr>
+          <a:xfrm>
+            <a:off x="853492" y="562662"/>
+            <a:ext cx="3515590" cy="216024"/>
+          </a:xfrm>
+          <a:prstGeom prst="rect">
+            <a:avLst/>
+          </a:prstGeom>
+        </p:spPr>
+        <p:txBody>
           <a:bodyPr lIns="87274" tIns="43637" rIns="87274" bIns="43637"/>
           <a:lstStyle>
             <a:lvl1pPr marL="0" indent="0" algn="l">
@@ -10715,7 +15511,7 @@
                   </a:srgbClr>
                 </a:solidFill>
               </a:rPr>
-              <a:t>3</a:t>
+              <a:t>4</a:t>
             </a:fld>
             <a:endParaRPr sz="800">
               <a:solidFill>
@@ -11074,14 +15870,14 @@
                 <a:gridCol w="246061">
                   <a:extLst>
                     <a:ext uri="{9D8B030D-6E8A-4147-A177-3AD203B41FA5}">
-                      <a16:colId xmlns="" xmlns:a16="http://schemas.microsoft.com/office/drawing/2014/main" val="20000"/>
+                      <a16:colId xmlns:a16="http://schemas.microsoft.com/office/drawing/2014/main" xmlns="" val="20000"/>
                     </a:ext>
                   </a:extLst>
                 </a:gridCol>
                 <a:gridCol w="1968494">
                   <a:extLst>
                     <a:ext uri="{9D8B030D-6E8A-4147-A177-3AD203B41FA5}">
-                      <a16:colId xmlns="" xmlns:a16="http://schemas.microsoft.com/office/drawing/2014/main" val="20001"/>
+                      <a16:colId xmlns:a16="http://schemas.microsoft.com/office/drawing/2014/main" xmlns="" val="20001"/>
                     </a:ext>
                   </a:extLst>
                 </a:gridCol>
@@ -11313,7 +16109,7 @@
                 </a:tc>
                 <a:extLst>
                   <a:ext uri="{0D108BD9-81ED-4DB2-BD59-A6C34878D82A}">
-                    <a16:rowId xmlns="" xmlns:a16="http://schemas.microsoft.com/office/drawing/2014/main" val="10000"/>
+                    <a16:rowId xmlns:a16="http://schemas.microsoft.com/office/drawing/2014/main" xmlns="" val="10000"/>
                   </a:ext>
                 </a:extLst>
               </a:tr>
@@ -11456,7 +16252,7 @@
                 </a:tc>
                 <a:extLst>
                   <a:ext uri="{0D108BD9-81ED-4DB2-BD59-A6C34878D82A}">
-                    <a16:rowId xmlns="" xmlns:a16="http://schemas.microsoft.com/office/drawing/2014/main" val="10001"/>
+                    <a16:rowId xmlns:a16="http://schemas.microsoft.com/office/drawing/2014/main" xmlns="" val="10001"/>
                   </a:ext>
                 </a:extLst>
               </a:tr>
@@ -11610,7 +16406,7 @@
                 </a:tc>
                 <a:extLst>
                   <a:ext uri="{0D108BD9-81ED-4DB2-BD59-A6C34878D82A}">
-                    <a16:rowId xmlns="" xmlns:a16="http://schemas.microsoft.com/office/drawing/2014/main" val="10002"/>
+                    <a16:rowId xmlns:a16="http://schemas.microsoft.com/office/drawing/2014/main" xmlns="" val="10002"/>
                   </a:ext>
                 </a:extLst>
               </a:tr>
@@ -11763,7 +16559,7 @@
                 </a:tc>
                 <a:extLst>
                   <a:ext uri="{0D108BD9-81ED-4DB2-BD59-A6C34878D82A}">
-                    <a16:rowId xmlns="" xmlns:a16="http://schemas.microsoft.com/office/drawing/2014/main" val="10003"/>
+                    <a16:rowId xmlns:a16="http://schemas.microsoft.com/office/drawing/2014/main" xmlns="" val="10003"/>
                   </a:ext>
                 </a:extLst>
               </a:tr>
@@ -14632,7 +19428,7 @@
 </p:sld>
 </file>
 
-<file path=ppt/slides/slide4.xml><?xml version="1.0" encoding="utf-8"?>
+<file path=ppt/slides/slide5.xml><?xml version="1.0" encoding="utf-8"?>
 <p:sld xmlns:a="http://schemas.openxmlformats.org/drawingml/2006/main" xmlns:r="http://schemas.openxmlformats.org/officeDocument/2006/relationships" xmlns:p="http://schemas.openxmlformats.org/presentationml/2006/main" show="0">
   <p:cSld>
     <p:spTree>
@@ -14892,7 +19688,7 @@
                   </a:srgbClr>
                 </a:solidFill>
               </a:rPr>
-              <a:t>4</a:t>
+              <a:t>5</a:t>
             </a:fld>
             <a:endParaRPr sz="800">
               <a:solidFill>
@@ -15071,14 +19867,14 @@
                 <a:gridCol w="246061">
                   <a:extLst>
                     <a:ext uri="{9D8B030D-6E8A-4147-A177-3AD203B41FA5}">
-                      <a16:colId xmlns="" xmlns:a16="http://schemas.microsoft.com/office/drawing/2014/main" val="20000"/>
+                      <a16:colId xmlns:a16="http://schemas.microsoft.com/office/drawing/2014/main" xmlns="" val="20000"/>
                     </a:ext>
                   </a:extLst>
                 </a:gridCol>
                 <a:gridCol w="1968494">
                   <a:extLst>
                     <a:ext uri="{9D8B030D-6E8A-4147-A177-3AD203B41FA5}">
-                      <a16:colId xmlns="" xmlns:a16="http://schemas.microsoft.com/office/drawing/2014/main" val="20001"/>
+                      <a16:colId xmlns:a16="http://schemas.microsoft.com/office/drawing/2014/main" xmlns="" val="20001"/>
                     </a:ext>
                   </a:extLst>
                 </a:gridCol>
@@ -15304,7 +20100,7 @@
                 </a:tc>
                 <a:extLst>
                   <a:ext uri="{0D108BD9-81ED-4DB2-BD59-A6C34878D82A}">
-                    <a16:rowId xmlns="" xmlns:a16="http://schemas.microsoft.com/office/drawing/2014/main" val="10000"/>
+                    <a16:rowId xmlns:a16="http://schemas.microsoft.com/office/drawing/2014/main" xmlns="" val="10000"/>
                   </a:ext>
                 </a:extLst>
               </a:tr>
@@ -15475,7 +20271,7 @@
                 </a:tc>
                 <a:extLst>
                   <a:ext uri="{0D108BD9-81ED-4DB2-BD59-A6C34878D82A}">
-                    <a16:rowId xmlns="" xmlns:a16="http://schemas.microsoft.com/office/drawing/2014/main" val="10001"/>
+                    <a16:rowId xmlns:a16="http://schemas.microsoft.com/office/drawing/2014/main" xmlns="" val="10001"/>
                   </a:ext>
                 </a:extLst>
               </a:tr>
@@ -15629,7 +20425,7 @@
                 </a:tc>
                 <a:extLst>
                   <a:ext uri="{0D108BD9-81ED-4DB2-BD59-A6C34878D82A}">
-                    <a16:rowId xmlns="" xmlns:a16="http://schemas.microsoft.com/office/drawing/2014/main" val="10002"/>
+                    <a16:rowId xmlns:a16="http://schemas.microsoft.com/office/drawing/2014/main" xmlns="" val="10002"/>
                   </a:ext>
                 </a:extLst>
               </a:tr>
@@ -15782,7 +20578,7 @@
                 </a:tc>
                 <a:extLst>
                   <a:ext uri="{0D108BD9-81ED-4DB2-BD59-A6C34878D82A}">
-                    <a16:rowId xmlns="" xmlns:a16="http://schemas.microsoft.com/office/drawing/2014/main" val="10003"/>
+                    <a16:rowId xmlns:a16="http://schemas.microsoft.com/office/drawing/2014/main" xmlns="" val="10003"/>
                   </a:ext>
                 </a:extLst>
               </a:tr>
@@ -18651,7 +23447,7 @@
 </p:sld>
 </file>
 
-<file path=ppt/slides/slide5.xml><?xml version="1.0" encoding="utf-8"?>
+<file path=ppt/slides/slide6.xml><?xml version="1.0" encoding="utf-8"?>
 <p:sld xmlns:a="http://schemas.openxmlformats.org/drawingml/2006/main" xmlns:r="http://schemas.openxmlformats.org/officeDocument/2006/relationships" xmlns:p="http://schemas.openxmlformats.org/presentationml/2006/main">
   <p:cSld>
     <p:spTree>
@@ -18717,7 +23513,7 @@
             </a:pPr>
             <a:fld id="{4BEDD84E-25D4-4983-8AA1-2863C96F08D9}" type="slidenum">
               <a:rPr lang="en-US"/>
-              <a:t>5</a:t>
+              <a:t>6</a:t>
             </a:fld>
             <a:endParaRPr/>
           </a:p>
@@ -18776,7 +23572,7 @@
           <p:cNvPr id="4" name="TextBox 3">
             <a:extLst>
               <a:ext uri="{FF2B5EF4-FFF2-40B4-BE49-F238E27FC236}">
-                <a16:creationId xmlns="" xmlns:a16="http://schemas.microsoft.com/office/drawing/2014/main" id="{E895A1D3-AD19-4D3D-A8E9-CFB55359656B}"/>
+                <a16:creationId xmlns:a16="http://schemas.microsoft.com/office/drawing/2014/main" xmlns="" id="{E895A1D3-AD19-4D3D-A8E9-CFB55359656B}"/>
               </a:ext>
             </a:extLst>
           </p:cNvPr>
@@ -18823,7 +23619,7 @@
           <p:cNvPr id="6" name="개체 5">
             <a:extLst>
               <a:ext uri="{FF2B5EF4-FFF2-40B4-BE49-F238E27FC236}">
-                <a16:creationId xmlns="" xmlns:a16="http://schemas.microsoft.com/office/drawing/2014/main" id="{019310BF-7D0B-4968-809F-55F852AB1955}"/>
+                <a16:creationId xmlns:a16="http://schemas.microsoft.com/office/drawing/2014/main" xmlns="" id="{019310BF-7D0B-4968-809F-55F852AB1955}"/>
               </a:ext>
             </a:extLst>
           </p:cNvPr>
@@ -18846,7 +23642,7 @@
           <a:graphicData uri="http://schemas.openxmlformats.org/presentationml/2006/ole">
             <mc:AlternateContent xmlns:mc="http://schemas.openxmlformats.org/markup-compatibility/2006">
               <mc:Choice xmlns:v="urn:schemas-microsoft-com:vml" Requires="v">
-                <p:oleObj spid="_x0000_s1026" name="Worksheet" r:id="rId3" imgW="11231809" imgH="5981731" progId="Excel.Sheet.12">
+                <p:oleObj spid="_x0000_s1028" name="Worksheet" r:id="rId3" imgW="11231809" imgH="5981731" progId="Excel.Sheet.12">
                   <p:embed/>
                 </p:oleObj>
               </mc:Choice>
